--- a/ComputerVision/Lecture 12 - Generative Adversarial Network (GAN)/Lecture 12 - Generative Adversarial Training.pptx
+++ b/ComputerVision/Lecture 12 - Generative Adversarial Network (GAN)/Lecture 12 - Generative Adversarial Training.pptx
@@ -21,6 +21,7 @@
     <p:sldId id="265" r:id="rId14"/>
     <p:sldId id="266" r:id="rId15"/>
     <p:sldId id="267" r:id="rId16"/>
+    <p:sldId id="268" r:id="rId17"/>
   </p:sldIdLst>
   <p:sldSz cx="10080625" cy="7559675"/>
   <p:notesSz cx="7559675" cy="10691813"/>
@@ -304,7 +305,7 @@
             <a:pPr algn="r">
               <a:buNone/>
             </a:pPr>
-            <a:fld id="{BA2C68C2-1F4B-42C4-BB1F-D7E8F971EEEE}" type="slidenum">
+            <a:fld id="{83B7DB42-5540-4D54-8A5F-C8011BD84F16}" type="slidenum">
               <a:rPr b="0" lang="en-US" sz="1400" spc="-1" strike="noStrike">
                 <a:latin typeface="Times New Roman"/>
               </a:rPr>
@@ -341,7 +342,7 @@
       </p:grpSpPr>
       <p:sp>
         <p:nvSpPr>
-          <p:cNvPr id="170" name="PlaceHolder 1"/>
+          <p:cNvPr id="174" name="PlaceHolder 1"/>
           <p:cNvSpPr>
             <a:spLocks noGrp="1"/>
           </p:cNvSpPr>
@@ -352,19 +353,19 @@
         <p:spPr>
           <a:xfrm>
             <a:off x="1376280" y="1336680"/>
-            <a:ext cx="4802040" cy="3601800"/>
-          </a:xfrm>
-          <a:prstGeom prst="rect">
-            <a:avLst/>
-          </a:prstGeom>
-          <a:ln w="0">
-            <a:noFill/>
-          </a:ln>
-        </p:spPr>
-      </p:sp>
-      <p:sp>
-        <p:nvSpPr>
-          <p:cNvPr id="171" name="PlaceHolder 2"/>
+            <a:ext cx="4801680" cy="3601440"/>
+          </a:xfrm>
+          <a:prstGeom prst="rect">
+            <a:avLst/>
+          </a:prstGeom>
+          <a:ln w="0">
+            <a:noFill/>
+          </a:ln>
+        </p:spPr>
+      </p:sp>
+      <p:sp>
+        <p:nvSpPr>
+          <p:cNvPr id="175" name="PlaceHolder 2"/>
           <p:cNvSpPr>
             <a:spLocks noGrp="1"/>
           </p:cNvSpPr>
@@ -375,7 +376,7 @@
         <p:spPr>
           <a:xfrm>
             <a:off x="756000" y="5145120"/>
-            <a:ext cx="6042240" cy="4204440"/>
+            <a:ext cx="6041880" cy="4204080"/>
           </a:xfrm>
           <a:prstGeom prst="rect">
             <a:avLst/>
@@ -398,14 +399,14 @@
       </p:sp>
       <p:sp>
         <p:nvSpPr>
-          <p:cNvPr id="172" name="CustomShape 77"/>
+          <p:cNvPr id="176" name="CustomShape 77"/>
           <p:cNvSpPr/>
           <p:nvPr/>
         </p:nvSpPr>
         <p:spPr>
           <a:xfrm>
             <a:off x="0" y="10155240"/>
-            <a:ext cx="3270600" cy="531000"/>
+            <a:ext cx="3270240" cy="530640"/>
           </a:xfrm>
           <a:prstGeom prst="rect">
             <a:avLst/>
@@ -472,7 +473,7 @@
       </p:grpSpPr>
       <p:sp>
         <p:nvSpPr>
-          <p:cNvPr id="197" name="PlaceHolder 1"/>
+          <p:cNvPr id="201" name="PlaceHolder 1"/>
           <p:cNvSpPr>
             <a:spLocks noGrp="1"/>
           </p:cNvSpPr>
@@ -483,19 +484,19 @@
         <p:spPr>
           <a:xfrm>
             <a:off x="1376280" y="1336680"/>
-            <a:ext cx="4802040" cy="3601800"/>
-          </a:xfrm>
-          <a:prstGeom prst="rect">
-            <a:avLst/>
-          </a:prstGeom>
-          <a:ln w="0">
-            <a:noFill/>
-          </a:ln>
-        </p:spPr>
-      </p:sp>
-      <p:sp>
-        <p:nvSpPr>
-          <p:cNvPr id="198" name="PlaceHolder 2"/>
+            <a:ext cx="4801680" cy="3601440"/>
+          </a:xfrm>
+          <a:prstGeom prst="rect">
+            <a:avLst/>
+          </a:prstGeom>
+          <a:ln w="0">
+            <a:noFill/>
+          </a:ln>
+        </p:spPr>
+      </p:sp>
+      <p:sp>
+        <p:nvSpPr>
+          <p:cNvPr id="202" name="PlaceHolder 2"/>
           <p:cNvSpPr>
             <a:spLocks noGrp="1"/>
           </p:cNvSpPr>
@@ -506,7 +507,7 @@
         <p:spPr>
           <a:xfrm>
             <a:off x="756000" y="5145120"/>
-            <a:ext cx="6042240" cy="4204440"/>
+            <a:ext cx="6041880" cy="4204080"/>
           </a:xfrm>
           <a:prstGeom prst="rect">
             <a:avLst/>
@@ -529,14 +530,14 @@
       </p:sp>
       <p:sp>
         <p:nvSpPr>
-          <p:cNvPr id="199" name="CustomShape 44"/>
+          <p:cNvPr id="203" name="CustomShape 44"/>
           <p:cNvSpPr/>
           <p:nvPr/>
         </p:nvSpPr>
         <p:spPr>
           <a:xfrm>
             <a:off x="0" y="10155240"/>
-            <a:ext cx="3270600" cy="531000"/>
+            <a:ext cx="3270240" cy="530640"/>
           </a:xfrm>
           <a:prstGeom prst="rect">
             <a:avLst/>
@@ -603,7 +604,7 @@
       </p:grpSpPr>
       <p:sp>
         <p:nvSpPr>
-          <p:cNvPr id="200" name="PlaceHolder 1"/>
+          <p:cNvPr id="204" name="PlaceHolder 1"/>
           <p:cNvSpPr>
             <a:spLocks noGrp="1"/>
           </p:cNvSpPr>
@@ -614,19 +615,19 @@
         <p:spPr>
           <a:xfrm>
             <a:off x="1376280" y="1336680"/>
-            <a:ext cx="4802040" cy="3601800"/>
-          </a:xfrm>
-          <a:prstGeom prst="rect">
-            <a:avLst/>
-          </a:prstGeom>
-          <a:ln w="0">
-            <a:noFill/>
-          </a:ln>
-        </p:spPr>
-      </p:sp>
-      <p:sp>
-        <p:nvSpPr>
-          <p:cNvPr id="201" name="PlaceHolder 2"/>
+            <a:ext cx="4801680" cy="3601440"/>
+          </a:xfrm>
+          <a:prstGeom prst="rect">
+            <a:avLst/>
+          </a:prstGeom>
+          <a:ln w="0">
+            <a:noFill/>
+          </a:ln>
+        </p:spPr>
+      </p:sp>
+      <p:sp>
+        <p:nvSpPr>
+          <p:cNvPr id="205" name="PlaceHolder 2"/>
           <p:cNvSpPr>
             <a:spLocks noGrp="1"/>
           </p:cNvSpPr>
@@ -637,7 +638,7 @@
         <p:spPr>
           <a:xfrm>
             <a:off x="756000" y="5145120"/>
-            <a:ext cx="6042240" cy="4204440"/>
+            <a:ext cx="6041880" cy="4204080"/>
           </a:xfrm>
           <a:prstGeom prst="rect">
             <a:avLst/>
@@ -660,14 +661,14 @@
       </p:sp>
       <p:sp>
         <p:nvSpPr>
-          <p:cNvPr id="202" name="CustomShape 50"/>
+          <p:cNvPr id="206" name="CustomShape 50"/>
           <p:cNvSpPr/>
           <p:nvPr/>
         </p:nvSpPr>
         <p:spPr>
           <a:xfrm>
             <a:off x="0" y="10155240"/>
-            <a:ext cx="3270600" cy="531000"/>
+            <a:ext cx="3270240" cy="530640"/>
           </a:xfrm>
           <a:prstGeom prst="rect">
             <a:avLst/>
@@ -734,7 +735,7 @@
       </p:grpSpPr>
       <p:sp>
         <p:nvSpPr>
-          <p:cNvPr id="203" name="PlaceHolder 1"/>
+          <p:cNvPr id="207" name="PlaceHolder 1"/>
           <p:cNvSpPr>
             <a:spLocks noGrp="1"/>
           </p:cNvSpPr>
@@ -745,19 +746,19 @@
         <p:spPr>
           <a:xfrm>
             <a:off x="1376280" y="1336680"/>
-            <a:ext cx="4802040" cy="3601800"/>
-          </a:xfrm>
-          <a:prstGeom prst="rect">
-            <a:avLst/>
-          </a:prstGeom>
-          <a:ln w="0">
-            <a:noFill/>
-          </a:ln>
-        </p:spPr>
-      </p:sp>
-      <p:sp>
-        <p:nvSpPr>
-          <p:cNvPr id="204" name="PlaceHolder 2"/>
+            <a:ext cx="4801680" cy="3601440"/>
+          </a:xfrm>
+          <a:prstGeom prst="rect">
+            <a:avLst/>
+          </a:prstGeom>
+          <a:ln w="0">
+            <a:noFill/>
+          </a:ln>
+        </p:spPr>
+      </p:sp>
+      <p:sp>
+        <p:nvSpPr>
+          <p:cNvPr id="208" name="PlaceHolder 2"/>
           <p:cNvSpPr>
             <a:spLocks noGrp="1"/>
           </p:cNvSpPr>
@@ -768,7 +769,7 @@
         <p:spPr>
           <a:xfrm>
             <a:off x="756000" y="5145120"/>
-            <a:ext cx="6042240" cy="4204440"/>
+            <a:ext cx="6041880" cy="4204080"/>
           </a:xfrm>
           <a:prstGeom prst="rect">
             <a:avLst/>
@@ -791,14 +792,145 @@
       </p:sp>
       <p:sp>
         <p:nvSpPr>
-          <p:cNvPr id="205" name="CustomShape 56"/>
+          <p:cNvPr id="209" name="CustomShape 74"/>
           <p:cNvSpPr/>
           <p:nvPr/>
         </p:nvSpPr>
         <p:spPr>
           <a:xfrm>
             <a:off x="0" y="10155240"/>
-            <a:ext cx="3270600" cy="531000"/>
+            <a:ext cx="3270240" cy="530640"/>
+          </a:xfrm>
+          <a:prstGeom prst="rect">
+            <a:avLst/>
+          </a:prstGeom>
+          <a:noFill/>
+          <a:ln w="0">
+            <a:noFill/>
+          </a:ln>
+        </p:spPr>
+        <p:style>
+          <a:lnRef idx="0"/>
+          <a:fillRef idx="0"/>
+          <a:effectRef idx="0"/>
+          <a:fontRef idx="minor"/>
+        </p:style>
+        <p:txBody>
+          <a:bodyPr lIns="90000" rIns="90000" tIns="45000" bIns="45000" anchor="b">
+            <a:noAutofit/>
+          </a:bodyPr>
+          <a:p>
+            <a:pPr>
+              <a:lnSpc>
+                <a:spcPct val="100000"/>
+              </a:lnSpc>
+              <a:buNone/>
+            </a:pPr>
+            <a:r>
+              <a:rPr b="0" lang="pt-BR" sz="1200" spc="-1" strike="noStrike">
+                <a:solidFill>
+                  <a:srgbClr val="000000"/>
+                </a:solidFill>
+                <a:latin typeface="Times New Roman"/>
+                <a:ea typeface="+mn-ea"/>
+              </a:rPr>
+              <a:t>Prof. André Hochuli</a:t>
+            </a:r>
+            <a:endParaRPr b="0" lang="en-US" sz="1200" spc="-1" strike="noStrike">
+              <a:latin typeface="Arial"/>
+            </a:endParaRPr>
+          </a:p>
+        </p:txBody>
+      </p:sp>
+    </p:spTree>
+  </p:cSld>
+</p:notes>
+</file>
+
+<file path=ppt/notesSlides/notesSlide13.xml><?xml version="1.0" encoding="utf-8"?>
+<p:notes xmlns:a="http://schemas.openxmlformats.org/drawingml/2006/main" xmlns:p="http://schemas.openxmlformats.org/presentationml/2006/main" xmlns:r="http://schemas.openxmlformats.org/officeDocument/2006/relationships" xmlns:p14="http://schemas.microsoft.com/office/powerpoint/2010/main" xmlns:p15="http://schemas.microsoft.com/office/powerpoint/2012/main" xmlns:mc="http://schemas.openxmlformats.org/markup-compatibility/2006">
+  <p:cSld>
+    <p:spTree>
+      <p:nvGrpSpPr>
+        <p:cNvPr id="1" name=""/>
+        <p:cNvGrpSpPr/>
+        <p:nvPr/>
+      </p:nvGrpSpPr>
+      <p:grpSpPr>
+        <a:xfrm>
+          <a:off x="0" y="0"/>
+          <a:ext cx="0" cy="0"/>
+          <a:chOff x="0" y="0"/>
+          <a:chExt cx="0" cy="0"/>
+        </a:xfrm>
+      </p:grpSpPr>
+      <p:sp>
+        <p:nvSpPr>
+          <p:cNvPr id="210" name="PlaceHolder 1"/>
+          <p:cNvSpPr>
+            <a:spLocks noGrp="1"/>
+          </p:cNvSpPr>
+          <p:nvPr>
+            <p:ph type="sldImg"/>
+          </p:nvPr>
+        </p:nvSpPr>
+        <p:spPr>
+          <a:xfrm>
+            <a:off x="1376280" y="1336680"/>
+            <a:ext cx="4801680" cy="3601440"/>
+          </a:xfrm>
+          <a:prstGeom prst="rect">
+            <a:avLst/>
+          </a:prstGeom>
+          <a:ln w="0">
+            <a:noFill/>
+          </a:ln>
+        </p:spPr>
+      </p:sp>
+      <p:sp>
+        <p:nvSpPr>
+          <p:cNvPr id="211" name="PlaceHolder 2"/>
+          <p:cNvSpPr>
+            <a:spLocks noGrp="1"/>
+          </p:cNvSpPr>
+          <p:nvPr>
+            <p:ph type="body"/>
+          </p:nvPr>
+        </p:nvSpPr>
+        <p:spPr>
+          <a:xfrm>
+            <a:off x="756000" y="5145120"/>
+            <a:ext cx="6041880" cy="4204080"/>
+          </a:xfrm>
+          <a:prstGeom prst="rect">
+            <a:avLst/>
+          </a:prstGeom>
+          <a:noFill/>
+          <a:ln w="0">
+            <a:noFill/>
+          </a:ln>
+        </p:spPr>
+        <p:txBody>
+          <a:bodyPr lIns="0" rIns="0" tIns="0" bIns="0" anchor="t">
+            <a:noAutofit/>
+          </a:bodyPr>
+          <a:p>
+            <a:endParaRPr b="0" lang="en-US" sz="2000" spc="-1" strike="noStrike">
+              <a:latin typeface="Arial"/>
+            </a:endParaRPr>
+          </a:p>
+        </p:txBody>
+      </p:sp>
+      <p:sp>
+        <p:nvSpPr>
+          <p:cNvPr id="212" name="CustomShape 68"/>
+          <p:cNvSpPr/>
+          <p:nvPr/>
+        </p:nvSpPr>
+        <p:spPr>
+          <a:xfrm>
+            <a:off x="0" y="10155240"/>
+            <a:ext cx="3270240" cy="530640"/>
           </a:xfrm>
           <a:prstGeom prst="rect">
             <a:avLst/>
@@ -865,7 +997,7 @@
       </p:grpSpPr>
       <p:sp>
         <p:nvSpPr>
-          <p:cNvPr id="173" name="PlaceHolder 1"/>
+          <p:cNvPr id="177" name="PlaceHolder 1"/>
           <p:cNvSpPr>
             <a:spLocks noGrp="1"/>
           </p:cNvSpPr>
@@ -876,19 +1008,19 @@
         <p:spPr>
           <a:xfrm>
             <a:off x="1376280" y="1336680"/>
-            <a:ext cx="4802040" cy="3601800"/>
-          </a:xfrm>
-          <a:prstGeom prst="rect">
-            <a:avLst/>
-          </a:prstGeom>
-          <a:ln w="0">
-            <a:noFill/>
-          </a:ln>
-        </p:spPr>
-      </p:sp>
-      <p:sp>
-        <p:nvSpPr>
-          <p:cNvPr id="174" name="PlaceHolder 2"/>
+            <a:ext cx="4801680" cy="3601440"/>
+          </a:xfrm>
+          <a:prstGeom prst="rect">
+            <a:avLst/>
+          </a:prstGeom>
+          <a:ln w="0">
+            <a:noFill/>
+          </a:ln>
+        </p:spPr>
+      </p:sp>
+      <p:sp>
+        <p:nvSpPr>
+          <p:cNvPr id="178" name="PlaceHolder 2"/>
           <p:cNvSpPr>
             <a:spLocks noGrp="1"/>
           </p:cNvSpPr>
@@ -899,7 +1031,7 @@
         <p:spPr>
           <a:xfrm>
             <a:off x="756000" y="5145120"/>
-            <a:ext cx="6042240" cy="4204440"/>
+            <a:ext cx="6041880" cy="4204080"/>
           </a:xfrm>
           <a:prstGeom prst="rect">
             <a:avLst/>
@@ -922,14 +1054,14 @@
       </p:sp>
       <p:sp>
         <p:nvSpPr>
-          <p:cNvPr id="175" name="CustomShape 5"/>
+          <p:cNvPr id="179" name="CustomShape 5"/>
           <p:cNvSpPr/>
           <p:nvPr/>
         </p:nvSpPr>
         <p:spPr>
           <a:xfrm>
             <a:off x="0" y="10155240"/>
-            <a:ext cx="3270600" cy="531000"/>
+            <a:ext cx="3270240" cy="530640"/>
           </a:xfrm>
           <a:prstGeom prst="rect">
             <a:avLst/>
@@ -996,7 +1128,7 @@
       </p:grpSpPr>
       <p:sp>
         <p:nvSpPr>
-          <p:cNvPr id="176" name="PlaceHolder 1"/>
+          <p:cNvPr id="180" name="PlaceHolder 1"/>
           <p:cNvSpPr>
             <a:spLocks noGrp="1"/>
           </p:cNvSpPr>
@@ -1007,19 +1139,19 @@
         <p:spPr>
           <a:xfrm>
             <a:off x="1376280" y="1336680"/>
-            <a:ext cx="4802040" cy="3601800"/>
-          </a:xfrm>
-          <a:prstGeom prst="rect">
-            <a:avLst/>
-          </a:prstGeom>
-          <a:ln w="0">
-            <a:noFill/>
-          </a:ln>
-        </p:spPr>
-      </p:sp>
-      <p:sp>
-        <p:nvSpPr>
-          <p:cNvPr id="177" name="PlaceHolder 2"/>
+            <a:ext cx="4801680" cy="3601440"/>
+          </a:xfrm>
+          <a:prstGeom prst="rect">
+            <a:avLst/>
+          </a:prstGeom>
+          <a:ln w="0">
+            <a:noFill/>
+          </a:ln>
+        </p:spPr>
+      </p:sp>
+      <p:sp>
+        <p:nvSpPr>
+          <p:cNvPr id="181" name="PlaceHolder 2"/>
           <p:cNvSpPr>
             <a:spLocks noGrp="1"/>
           </p:cNvSpPr>
@@ -1030,7 +1162,7 @@
         <p:spPr>
           <a:xfrm>
             <a:off x="756000" y="5145120"/>
-            <a:ext cx="6042240" cy="4204440"/>
+            <a:ext cx="6041880" cy="4204080"/>
           </a:xfrm>
           <a:prstGeom prst="rect">
             <a:avLst/>
@@ -1053,14 +1185,14 @@
       </p:sp>
       <p:sp>
         <p:nvSpPr>
-          <p:cNvPr id="178" name="CustomShape 1"/>
+          <p:cNvPr id="182" name="CustomShape 1"/>
           <p:cNvSpPr/>
           <p:nvPr/>
         </p:nvSpPr>
         <p:spPr>
           <a:xfrm>
             <a:off x="0" y="10155240"/>
-            <a:ext cx="3270600" cy="531000"/>
+            <a:ext cx="3270240" cy="530640"/>
           </a:xfrm>
           <a:prstGeom prst="rect">
             <a:avLst/>
@@ -1127,7 +1259,7 @@
       </p:grpSpPr>
       <p:sp>
         <p:nvSpPr>
-          <p:cNvPr id="179" name="PlaceHolder 1"/>
+          <p:cNvPr id="183" name="PlaceHolder 1"/>
           <p:cNvSpPr>
             <a:spLocks noGrp="1"/>
           </p:cNvSpPr>
@@ -1138,19 +1270,19 @@
         <p:spPr>
           <a:xfrm>
             <a:off x="1376280" y="1336680"/>
-            <a:ext cx="4802040" cy="3601800"/>
-          </a:xfrm>
-          <a:prstGeom prst="rect">
-            <a:avLst/>
-          </a:prstGeom>
-          <a:ln w="0">
-            <a:noFill/>
-          </a:ln>
-        </p:spPr>
-      </p:sp>
-      <p:sp>
-        <p:nvSpPr>
-          <p:cNvPr id="180" name="PlaceHolder 2"/>
+            <a:ext cx="4801680" cy="3601440"/>
+          </a:xfrm>
+          <a:prstGeom prst="rect">
+            <a:avLst/>
+          </a:prstGeom>
+          <a:ln w="0">
+            <a:noFill/>
+          </a:ln>
+        </p:spPr>
+      </p:sp>
+      <p:sp>
+        <p:nvSpPr>
+          <p:cNvPr id="184" name="PlaceHolder 2"/>
           <p:cNvSpPr>
             <a:spLocks noGrp="1"/>
           </p:cNvSpPr>
@@ -1161,7 +1293,7 @@
         <p:spPr>
           <a:xfrm>
             <a:off x="756000" y="5145120"/>
-            <a:ext cx="6042240" cy="4204440"/>
+            <a:ext cx="6041880" cy="4204080"/>
           </a:xfrm>
           <a:prstGeom prst="rect">
             <a:avLst/>
@@ -1184,14 +1316,14 @@
       </p:sp>
       <p:sp>
         <p:nvSpPr>
-          <p:cNvPr id="181" name="CustomShape 2"/>
+          <p:cNvPr id="185" name="CustomShape 2"/>
           <p:cNvSpPr/>
           <p:nvPr/>
         </p:nvSpPr>
         <p:spPr>
           <a:xfrm>
             <a:off x="0" y="10155240"/>
-            <a:ext cx="3270600" cy="531000"/>
+            <a:ext cx="3270240" cy="530640"/>
           </a:xfrm>
           <a:prstGeom prst="rect">
             <a:avLst/>
@@ -1258,7 +1390,7 @@
       </p:grpSpPr>
       <p:sp>
         <p:nvSpPr>
-          <p:cNvPr id="182" name="PlaceHolder 1"/>
+          <p:cNvPr id="186" name="PlaceHolder 1"/>
           <p:cNvSpPr>
             <a:spLocks noGrp="1"/>
           </p:cNvSpPr>
@@ -1269,19 +1401,19 @@
         <p:spPr>
           <a:xfrm>
             <a:off x="1376280" y="1336680"/>
-            <a:ext cx="4802040" cy="3601800"/>
-          </a:xfrm>
-          <a:prstGeom prst="rect">
-            <a:avLst/>
-          </a:prstGeom>
-          <a:ln w="0">
-            <a:noFill/>
-          </a:ln>
-        </p:spPr>
-      </p:sp>
-      <p:sp>
-        <p:nvSpPr>
-          <p:cNvPr id="183" name="PlaceHolder 2"/>
+            <a:ext cx="4801680" cy="3601440"/>
+          </a:xfrm>
+          <a:prstGeom prst="rect">
+            <a:avLst/>
+          </a:prstGeom>
+          <a:ln w="0">
+            <a:noFill/>
+          </a:ln>
+        </p:spPr>
+      </p:sp>
+      <p:sp>
+        <p:nvSpPr>
+          <p:cNvPr id="187" name="PlaceHolder 2"/>
           <p:cNvSpPr>
             <a:spLocks noGrp="1"/>
           </p:cNvSpPr>
@@ -1292,7 +1424,7 @@
         <p:spPr>
           <a:xfrm>
             <a:off x="756000" y="5145120"/>
-            <a:ext cx="6042240" cy="4204440"/>
+            <a:ext cx="6041880" cy="4204080"/>
           </a:xfrm>
           <a:prstGeom prst="rect">
             <a:avLst/>
@@ -1315,14 +1447,14 @@
       </p:sp>
       <p:sp>
         <p:nvSpPr>
-          <p:cNvPr id="184" name="CustomShape 20"/>
+          <p:cNvPr id="188" name="CustomShape 20"/>
           <p:cNvSpPr/>
           <p:nvPr/>
         </p:nvSpPr>
         <p:spPr>
           <a:xfrm>
             <a:off x="0" y="10155240"/>
-            <a:ext cx="3270600" cy="531000"/>
+            <a:ext cx="3270240" cy="530640"/>
           </a:xfrm>
           <a:prstGeom prst="rect">
             <a:avLst/>
@@ -1389,7 +1521,7 @@
       </p:grpSpPr>
       <p:sp>
         <p:nvSpPr>
-          <p:cNvPr id="185" name="PlaceHolder 1"/>
+          <p:cNvPr id="189" name="PlaceHolder 1"/>
           <p:cNvSpPr>
             <a:spLocks noGrp="1"/>
           </p:cNvSpPr>
@@ -1400,19 +1532,19 @@
         <p:spPr>
           <a:xfrm>
             <a:off x="1376280" y="1336680"/>
-            <a:ext cx="4802040" cy="3601800"/>
-          </a:xfrm>
-          <a:prstGeom prst="rect">
-            <a:avLst/>
-          </a:prstGeom>
-          <a:ln w="0">
-            <a:noFill/>
-          </a:ln>
-        </p:spPr>
-      </p:sp>
-      <p:sp>
-        <p:nvSpPr>
-          <p:cNvPr id="186" name="PlaceHolder 2"/>
+            <a:ext cx="4801680" cy="3601440"/>
+          </a:xfrm>
+          <a:prstGeom prst="rect">
+            <a:avLst/>
+          </a:prstGeom>
+          <a:ln w="0">
+            <a:noFill/>
+          </a:ln>
+        </p:spPr>
+      </p:sp>
+      <p:sp>
+        <p:nvSpPr>
+          <p:cNvPr id="190" name="PlaceHolder 2"/>
           <p:cNvSpPr>
             <a:spLocks noGrp="1"/>
           </p:cNvSpPr>
@@ -1423,7 +1555,7 @@
         <p:spPr>
           <a:xfrm>
             <a:off x="756000" y="5145120"/>
-            <a:ext cx="6042240" cy="4204440"/>
+            <a:ext cx="6041880" cy="4204080"/>
           </a:xfrm>
           <a:prstGeom prst="rect">
             <a:avLst/>
@@ -1446,14 +1578,14 @@
       </p:sp>
       <p:sp>
         <p:nvSpPr>
-          <p:cNvPr id="187" name="CustomShape 31"/>
+          <p:cNvPr id="191" name="CustomShape 31"/>
           <p:cNvSpPr/>
           <p:nvPr/>
         </p:nvSpPr>
         <p:spPr>
           <a:xfrm>
             <a:off x="0" y="10155240"/>
-            <a:ext cx="3270600" cy="531000"/>
+            <a:ext cx="3270240" cy="530640"/>
           </a:xfrm>
           <a:prstGeom prst="rect">
             <a:avLst/>
@@ -1520,7 +1652,7 @@
       </p:grpSpPr>
       <p:sp>
         <p:nvSpPr>
-          <p:cNvPr id="188" name="PlaceHolder 1"/>
+          <p:cNvPr id="192" name="PlaceHolder 1"/>
           <p:cNvSpPr>
             <a:spLocks noGrp="1"/>
           </p:cNvSpPr>
@@ -1531,19 +1663,19 @@
         <p:spPr>
           <a:xfrm>
             <a:off x="1376280" y="1336680"/>
-            <a:ext cx="4802040" cy="3601800"/>
-          </a:xfrm>
-          <a:prstGeom prst="rect">
-            <a:avLst/>
-          </a:prstGeom>
-          <a:ln w="0">
-            <a:noFill/>
-          </a:ln>
-        </p:spPr>
-      </p:sp>
-      <p:sp>
-        <p:nvSpPr>
-          <p:cNvPr id="189" name="PlaceHolder 2"/>
+            <a:ext cx="4801680" cy="3601440"/>
+          </a:xfrm>
+          <a:prstGeom prst="rect">
+            <a:avLst/>
+          </a:prstGeom>
+          <a:ln w="0">
+            <a:noFill/>
+          </a:ln>
+        </p:spPr>
+      </p:sp>
+      <p:sp>
+        <p:nvSpPr>
+          <p:cNvPr id="193" name="PlaceHolder 2"/>
           <p:cNvSpPr>
             <a:spLocks noGrp="1"/>
           </p:cNvSpPr>
@@ -1554,7 +1686,7 @@
         <p:spPr>
           <a:xfrm>
             <a:off x="756000" y="5145120"/>
-            <a:ext cx="6042240" cy="4204440"/>
+            <a:ext cx="6041880" cy="4204080"/>
           </a:xfrm>
           <a:prstGeom prst="rect">
             <a:avLst/>
@@ -1577,14 +1709,14 @@
       </p:sp>
       <p:sp>
         <p:nvSpPr>
-          <p:cNvPr id="190" name="CustomShape 25"/>
+          <p:cNvPr id="194" name="CustomShape 25"/>
           <p:cNvSpPr/>
           <p:nvPr/>
         </p:nvSpPr>
         <p:spPr>
           <a:xfrm>
             <a:off x="0" y="10155240"/>
-            <a:ext cx="3270600" cy="531000"/>
+            <a:ext cx="3270240" cy="530640"/>
           </a:xfrm>
           <a:prstGeom prst="rect">
             <a:avLst/>
@@ -1651,7 +1783,7 @@
       </p:grpSpPr>
       <p:sp>
         <p:nvSpPr>
-          <p:cNvPr id="191" name="PlaceHolder 1"/>
+          <p:cNvPr id="195" name="PlaceHolder 1"/>
           <p:cNvSpPr>
             <a:spLocks noGrp="1"/>
           </p:cNvSpPr>
@@ -1662,19 +1794,19 @@
         <p:spPr>
           <a:xfrm>
             <a:off x="1376280" y="1336680"/>
-            <a:ext cx="4802040" cy="3601800"/>
-          </a:xfrm>
-          <a:prstGeom prst="rect">
-            <a:avLst/>
-          </a:prstGeom>
-          <a:ln w="0">
-            <a:noFill/>
-          </a:ln>
-        </p:spPr>
-      </p:sp>
-      <p:sp>
-        <p:nvSpPr>
-          <p:cNvPr id="192" name="PlaceHolder 2"/>
+            <a:ext cx="4801680" cy="3601440"/>
+          </a:xfrm>
+          <a:prstGeom prst="rect">
+            <a:avLst/>
+          </a:prstGeom>
+          <a:ln w="0">
+            <a:noFill/>
+          </a:ln>
+        </p:spPr>
+      </p:sp>
+      <p:sp>
+        <p:nvSpPr>
+          <p:cNvPr id="196" name="PlaceHolder 2"/>
           <p:cNvSpPr>
             <a:spLocks noGrp="1"/>
           </p:cNvSpPr>
@@ -1685,7 +1817,7 @@
         <p:spPr>
           <a:xfrm>
             <a:off x="756000" y="5145120"/>
-            <a:ext cx="6042240" cy="4204440"/>
+            <a:ext cx="6041880" cy="4204080"/>
           </a:xfrm>
           <a:prstGeom prst="rect">
             <a:avLst/>
@@ -1708,14 +1840,14 @@
       </p:sp>
       <p:sp>
         <p:nvSpPr>
-          <p:cNvPr id="193" name="CustomShape 38"/>
+          <p:cNvPr id="197" name="CustomShape 38"/>
           <p:cNvSpPr/>
           <p:nvPr/>
         </p:nvSpPr>
         <p:spPr>
           <a:xfrm>
             <a:off x="0" y="10155240"/>
-            <a:ext cx="3270600" cy="531000"/>
+            <a:ext cx="3270240" cy="530640"/>
           </a:xfrm>
           <a:prstGeom prst="rect">
             <a:avLst/>
@@ -1782,7 +1914,7 @@
       </p:grpSpPr>
       <p:sp>
         <p:nvSpPr>
-          <p:cNvPr id="194" name="PlaceHolder 1"/>
+          <p:cNvPr id="198" name="PlaceHolder 1"/>
           <p:cNvSpPr>
             <a:spLocks noGrp="1"/>
           </p:cNvSpPr>
@@ -1793,19 +1925,19 @@
         <p:spPr>
           <a:xfrm>
             <a:off x="1376280" y="1336680"/>
-            <a:ext cx="4802040" cy="3601800"/>
-          </a:xfrm>
-          <a:prstGeom prst="rect">
-            <a:avLst/>
-          </a:prstGeom>
-          <a:ln w="0">
-            <a:noFill/>
-          </a:ln>
-        </p:spPr>
-      </p:sp>
-      <p:sp>
-        <p:nvSpPr>
-          <p:cNvPr id="195" name="PlaceHolder 2"/>
+            <a:ext cx="4801680" cy="3601440"/>
+          </a:xfrm>
+          <a:prstGeom prst="rect">
+            <a:avLst/>
+          </a:prstGeom>
+          <a:ln w="0">
+            <a:noFill/>
+          </a:ln>
+        </p:spPr>
+      </p:sp>
+      <p:sp>
+        <p:nvSpPr>
+          <p:cNvPr id="199" name="PlaceHolder 2"/>
           <p:cNvSpPr>
             <a:spLocks noGrp="1"/>
           </p:cNvSpPr>
@@ -1816,7 +1948,7 @@
         <p:spPr>
           <a:xfrm>
             <a:off x="756000" y="5145120"/>
-            <a:ext cx="6042240" cy="4204440"/>
+            <a:ext cx="6041880" cy="4204080"/>
           </a:xfrm>
           <a:prstGeom prst="rect">
             <a:avLst/>
@@ -1839,14 +1971,14 @@
       </p:sp>
       <p:sp>
         <p:nvSpPr>
-          <p:cNvPr id="196" name="CustomShape 62"/>
+          <p:cNvPr id="200" name="CustomShape 62"/>
           <p:cNvSpPr/>
           <p:nvPr/>
         </p:nvSpPr>
         <p:spPr>
           <a:xfrm>
             <a:off x="0" y="10155240"/>
-            <a:ext cx="3270600" cy="531000"/>
+            <a:ext cx="3270240" cy="530640"/>
           </a:xfrm>
           <a:prstGeom prst="rect">
             <a:avLst/>
@@ -4975,7 +5107,7 @@
         <p:spPr>
           <a:xfrm>
             <a:off x="0" y="3150000"/>
-            <a:ext cx="9714600" cy="1254600"/>
+            <a:ext cx="9714240" cy="1254240"/>
           </a:xfrm>
           <a:prstGeom prst="rect">
             <a:avLst/>
@@ -5273,7 +5405,7 @@
         <p:spPr>
           <a:xfrm>
             <a:off x="0" y="180000"/>
-            <a:ext cx="9714600" cy="1254600"/>
+            <a:ext cx="9714240" cy="1254240"/>
           </a:xfrm>
           <a:prstGeom prst="rect">
             <a:avLst/>
@@ -5301,7 +5433,7 @@
         <p:spPr>
           <a:xfrm>
             <a:off x="7560000" y="6840000"/>
-            <a:ext cx="2514600" cy="534600"/>
+            <a:ext cx="2514240" cy="534240"/>
           </a:xfrm>
           <a:prstGeom prst="rect">
             <a:avLst/>
@@ -5329,7 +5461,7 @@
         <p:spPr>
           <a:xfrm>
             <a:off x="900000" y="6840000"/>
-            <a:ext cx="6474600" cy="534600"/>
+            <a:ext cx="6474240" cy="534240"/>
           </a:xfrm>
           <a:prstGeom prst="rect">
             <a:avLst/>
@@ -5357,7 +5489,7 @@
         <p:spPr>
           <a:xfrm>
             <a:off x="180000" y="6840000"/>
-            <a:ext cx="534600" cy="534600"/>
+            <a:ext cx="534240" cy="534240"/>
           </a:xfrm>
           <a:prstGeom prst="rect">
             <a:avLst/>
@@ -5646,7 +5778,7 @@
         <p:spPr>
           <a:xfrm>
             <a:off x="360000" y="3330000"/>
-            <a:ext cx="9354600" cy="894600"/>
+            <a:ext cx="9354240" cy="894240"/>
           </a:xfrm>
           <a:prstGeom prst="rect">
             <a:avLst/>
@@ -5698,7 +5830,7 @@
         <p:spPr>
           <a:xfrm>
             <a:off x="540000" y="4680000"/>
-            <a:ext cx="9174600" cy="2514600"/>
+            <a:ext cx="9174240" cy="2514240"/>
           </a:xfrm>
           <a:prstGeom prst="rect">
             <a:avLst/>
@@ -5903,7 +6035,7 @@
         <p:spPr>
           <a:xfrm>
             <a:off x="360000" y="360000"/>
-            <a:ext cx="9354600" cy="894600"/>
+            <a:ext cx="9354240" cy="894240"/>
           </a:xfrm>
           <a:prstGeom prst="rect">
             <a:avLst/>
@@ -5955,7 +6087,7 @@
         <p:spPr>
           <a:xfrm>
             <a:off x="897120" y="6886080"/>
-            <a:ext cx="6441840" cy="359640"/>
+            <a:ext cx="6441480" cy="359280"/>
           </a:xfrm>
           <a:prstGeom prst="rect">
             <a:avLst/>
@@ -6007,7 +6139,7 @@
         <p:spPr>
           <a:xfrm>
             <a:off x="7608600" y="6886080"/>
-            <a:ext cx="2279880" cy="359640"/>
+            <a:ext cx="2279520" cy="359280"/>
           </a:xfrm>
           <a:prstGeom prst="rect">
             <a:avLst/>
@@ -6091,7 +6223,7 @@
         <p:spPr>
           <a:xfrm>
             <a:off x="360000" y="1980000"/>
-            <a:ext cx="9174600" cy="4674600"/>
+            <a:ext cx="9174240" cy="4674240"/>
           </a:xfrm>
           <a:prstGeom prst="rect">
             <a:avLst/>
@@ -6112,7 +6244,69 @@
             <a:normAutofit/>
           </a:bodyPr>
           <a:p>
+            <a:pPr>
+              <a:lnSpc>
+                <a:spcPct val="100000"/>
+              </a:lnSpc>
+              <a:spcAft>
+                <a:spcPts val="1140"/>
+              </a:spcAft>
+              <a:buNone/>
+            </a:pPr>
+            <a:endParaRPr b="0" lang="en-US" sz="1800" spc="-1" strike="noStrike">
+              <a:latin typeface="Arial"/>
+            </a:endParaRPr>
+          </a:p>
+          <a:p>
+            <a:pPr>
+              <a:lnSpc>
+                <a:spcPct val="100000"/>
+              </a:lnSpc>
+              <a:spcAft>
+                <a:spcPts val="1140"/>
+              </a:spcAft>
+              <a:buNone/>
+            </a:pPr>
+            <a:endParaRPr b="0" lang="en-US" sz="1800" spc="-1" strike="noStrike">
+              <a:latin typeface="Arial"/>
+            </a:endParaRPr>
+          </a:p>
+        </p:txBody>
+      </p:sp>
+      <p:sp>
+        <p:nvSpPr>
+          <p:cNvPr id="154" name="CustomShape 43"/>
+          <p:cNvSpPr/>
+          <p:nvPr/>
+        </p:nvSpPr>
+        <p:spPr>
+          <a:xfrm>
+            <a:off x="315000" y="1737360"/>
+            <a:ext cx="9174240" cy="4674240"/>
+          </a:xfrm>
+          <a:prstGeom prst="rect">
+            <a:avLst/>
+          </a:prstGeom>
+          <a:noFill/>
+          <a:ln w="0">
+            <a:noFill/>
+          </a:ln>
+        </p:spPr>
+        <p:style>
+          <a:lnRef idx="0"/>
+          <a:fillRef idx="0"/>
+          <a:effectRef idx="0"/>
+          <a:fontRef idx="minor"/>
+        </p:style>
+        <p:txBody>
+          <a:bodyPr lIns="0" rIns="0" tIns="0" bIns="0" anchor="t">
+            <a:normAutofit/>
+          </a:bodyPr>
+          <a:p>
             <a:pPr marL="216000" indent="-212400">
+              <a:lnSpc>
+                <a:spcPct val="100000"/>
+              </a:lnSpc>
               <a:spcAft>
                 <a:spcPts val="1140"/>
               </a:spcAft>
@@ -6123,128 +6317,57 @@
               <a:buFont typeface="Wingdings" charset="2"/>
               <a:buChar char=""/>
             </a:pPr>
+            <a:r>
+              <a:rPr b="0" lang="en-US" sz="1800" spc="-1" strike="noStrike">
+                <a:solidFill>
+                  <a:srgbClr val="000000"/>
+                </a:solidFill>
+                <a:latin typeface="Arial"/>
+                <a:ea typeface="DejaVu Sans"/>
+              </a:rPr>
+              <a:t>Image-Translation</a:t>
+            </a:r>
             <a:endParaRPr b="0" lang="en-US" sz="1800" spc="-1" strike="noStrike">
               <a:latin typeface="Arial"/>
             </a:endParaRPr>
           </a:p>
           <a:p>
-            <a:pPr marL="216000" indent="-212400">
+            <a:pPr>
               <a:lnSpc>
                 <a:spcPct val="100000"/>
               </a:lnSpc>
               <a:spcAft>
                 <a:spcPts val="1140"/>
               </a:spcAft>
-              <a:buClr>
-                <a:srgbClr val="000000"/>
-              </a:buClr>
-              <a:buSzPct val="45000"/>
-              <a:buFont typeface="Wingdings" charset="2"/>
-              <a:buChar char=""/>
+              <a:buNone/>
             </a:pPr>
             <a:endParaRPr b="0" lang="en-US" sz="1800" spc="-1" strike="noStrike">
               <a:latin typeface="Arial"/>
             </a:endParaRPr>
           </a:p>
-        </p:txBody>
-      </p:sp>
-      <p:sp>
-        <p:nvSpPr>
-          <p:cNvPr id="154" name="CustomShape 43"/>
-          <p:cNvSpPr/>
-          <p:nvPr/>
-        </p:nvSpPr>
-        <p:spPr>
-          <a:xfrm>
-            <a:off x="315000" y="1737360"/>
-            <a:ext cx="9174600" cy="4674600"/>
-          </a:xfrm>
-          <a:prstGeom prst="rect">
-            <a:avLst/>
-          </a:prstGeom>
-          <a:noFill/>
-          <a:ln w="0">
-            <a:noFill/>
-          </a:ln>
-        </p:spPr>
-        <p:style>
-          <a:lnRef idx="0"/>
-          <a:fillRef idx="0"/>
-          <a:effectRef idx="0"/>
-          <a:fontRef idx="minor"/>
-        </p:style>
-        <p:txBody>
-          <a:bodyPr lIns="0" rIns="0" tIns="0" bIns="0" anchor="t">
-            <a:normAutofit/>
-          </a:bodyPr>
-          <a:p>
-            <a:pPr marL="216000" indent="-212400">
+          <a:p>
+            <a:pPr>
+              <a:lnSpc>
+                <a:spcPct val="100000"/>
+              </a:lnSpc>
               <a:spcAft>
                 <a:spcPts val="1140"/>
               </a:spcAft>
-              <a:buClr>
-                <a:srgbClr val="000000"/>
-              </a:buClr>
-              <a:buSzPct val="45000"/>
-              <a:buFont typeface="Wingdings" charset="2"/>
-              <a:buChar char=""/>
-            </a:pPr>
-            <a:r>
-              <a:rPr b="0" lang="en-US" sz="1800" spc="-1" strike="noStrike">
-                <a:latin typeface="Arial"/>
-              </a:rPr>
-              <a:t>Image-Translation</a:t>
-            </a:r>
+              <a:buNone/>
+            </a:pPr>
             <a:endParaRPr b="0" lang="en-US" sz="1800" spc="-1" strike="noStrike">
               <a:latin typeface="Arial"/>
             </a:endParaRPr>
           </a:p>
           <a:p>
-            <a:pPr lvl="1" marL="432000" indent="-216000">
+            <a:pPr>
+              <a:lnSpc>
+                <a:spcPct val="100000"/>
+              </a:lnSpc>
               <a:spcAft>
                 <a:spcPts val="1140"/>
               </a:spcAft>
-              <a:buClr>
-                <a:srgbClr val="000000"/>
-              </a:buClr>
-              <a:buSzPct val="45000"/>
-              <a:buFont typeface="Wingdings" charset="2"/>
-              <a:buChar char=""/>
-            </a:pPr>
-            <a:endParaRPr b="0" lang="en-US" sz="1800" spc="-1" strike="noStrike">
-              <a:latin typeface="Arial"/>
-            </a:endParaRPr>
-          </a:p>
-          <a:p>
-            <a:pPr marL="216000" indent="-212400">
-              <a:spcAft>
-                <a:spcPts val="1140"/>
-              </a:spcAft>
-              <a:buClr>
-                <a:srgbClr val="000000"/>
-              </a:buClr>
-              <a:buSzPct val="45000"/>
-              <a:buFont typeface="Wingdings" charset="2"/>
-              <a:buChar char=""/>
-            </a:pPr>
-            <a:endParaRPr b="0" lang="en-US" sz="1800" spc="-1" strike="noStrike">
-              <a:latin typeface="Arial"/>
-            </a:endParaRPr>
-          </a:p>
-          <a:p>
-            <a:pPr marL="216000" indent="-212400">
-              <a:lnSpc>
-                <a:spcPct val="100000"/>
-              </a:lnSpc>
-              <a:spcAft>
-                <a:spcPts val="1140"/>
-              </a:spcAft>
-              <a:buClr>
-                <a:srgbClr val="000000"/>
-              </a:buClr>
-              <a:buSzPct val="45000"/>
-              <a:buFont typeface="Wingdings" charset="2"/>
-              <a:buChar char=""/>
+              <a:buNone/>
             </a:pPr>
             <a:endParaRPr b="0" lang="en-US" sz="1800" spc="-1" strike="noStrike">
               <a:latin typeface="Arial"/>
@@ -6265,7 +6388,7 @@
         <p:spPr>
           <a:xfrm>
             <a:off x="457200" y="2514600"/>
-            <a:ext cx="8688240" cy="3200400"/>
+            <a:ext cx="8687880" cy="3200040"/>
           </a:xfrm>
           <a:prstGeom prst="rect">
             <a:avLst/>
@@ -6314,7 +6437,7 @@
         <p:spPr>
           <a:xfrm>
             <a:off x="360000" y="360000"/>
-            <a:ext cx="9354600" cy="894600"/>
+            <a:ext cx="9354240" cy="894240"/>
           </a:xfrm>
           <a:prstGeom prst="rect">
             <a:avLst/>
@@ -6366,7 +6489,7 @@
         <p:spPr>
           <a:xfrm>
             <a:off x="897120" y="6886080"/>
-            <a:ext cx="6441840" cy="359640"/>
+            <a:ext cx="6441480" cy="359280"/>
           </a:xfrm>
           <a:prstGeom prst="rect">
             <a:avLst/>
@@ -6418,7 +6541,7 @@
         <p:spPr>
           <a:xfrm>
             <a:off x="7608600" y="6886080"/>
-            <a:ext cx="2279880" cy="359640"/>
+            <a:ext cx="2279520" cy="359280"/>
           </a:xfrm>
           <a:prstGeom prst="rect">
             <a:avLst/>
@@ -6502,7 +6625,7 @@
         <p:spPr>
           <a:xfrm>
             <a:off x="360000" y="1980000"/>
-            <a:ext cx="9174600" cy="4674600"/>
+            <a:ext cx="9174240" cy="4674240"/>
           </a:xfrm>
           <a:prstGeom prst="rect">
             <a:avLst/>
@@ -6523,7 +6646,69 @@
             <a:normAutofit/>
           </a:bodyPr>
           <a:p>
+            <a:pPr>
+              <a:lnSpc>
+                <a:spcPct val="100000"/>
+              </a:lnSpc>
+              <a:spcAft>
+                <a:spcPts val="1140"/>
+              </a:spcAft>
+              <a:buNone/>
+            </a:pPr>
+            <a:endParaRPr b="0" lang="en-US" sz="1800" spc="-1" strike="noStrike">
+              <a:latin typeface="Arial"/>
+            </a:endParaRPr>
+          </a:p>
+          <a:p>
+            <a:pPr>
+              <a:lnSpc>
+                <a:spcPct val="100000"/>
+              </a:lnSpc>
+              <a:spcAft>
+                <a:spcPts val="1140"/>
+              </a:spcAft>
+              <a:buNone/>
+            </a:pPr>
+            <a:endParaRPr b="0" lang="en-US" sz="1800" spc="-1" strike="noStrike">
+              <a:latin typeface="Arial"/>
+            </a:endParaRPr>
+          </a:p>
+        </p:txBody>
+      </p:sp>
+      <p:sp>
+        <p:nvSpPr>
+          <p:cNvPr id="160" name="CustomShape 49"/>
+          <p:cNvSpPr/>
+          <p:nvPr/>
+        </p:nvSpPr>
+        <p:spPr>
+          <a:xfrm>
+            <a:off x="315000" y="1737360"/>
+            <a:ext cx="9174240" cy="4674240"/>
+          </a:xfrm>
+          <a:prstGeom prst="rect">
+            <a:avLst/>
+          </a:prstGeom>
+          <a:noFill/>
+          <a:ln w="0">
+            <a:noFill/>
+          </a:ln>
+        </p:spPr>
+        <p:style>
+          <a:lnRef idx="0"/>
+          <a:fillRef idx="0"/>
+          <a:effectRef idx="0"/>
+          <a:fontRef idx="minor"/>
+        </p:style>
+        <p:txBody>
+          <a:bodyPr lIns="0" rIns="0" tIns="0" bIns="0" anchor="t">
+            <a:normAutofit/>
+          </a:bodyPr>
+          <a:p>
             <a:pPr marL="216000" indent="-212400">
+              <a:lnSpc>
+                <a:spcPct val="100000"/>
+              </a:lnSpc>
               <a:spcAft>
                 <a:spcPts val="1140"/>
               </a:spcAft>
@@ -6534,6 +6719,16 @@
               <a:buFont typeface="Wingdings" charset="2"/>
               <a:buChar char=""/>
             </a:pPr>
+            <a:r>
+              <a:rPr b="0" lang="en-US" sz="1800" spc="-1" strike="noStrike">
+                <a:solidFill>
+                  <a:srgbClr val="000000"/>
+                </a:solidFill>
+                <a:latin typeface="Arial"/>
+                <a:ea typeface="Noto Sans CJK SC"/>
+              </a:rPr>
+              <a:t>Generative Model: Encoder-Decoder Architecture (i.e U-Net)</a:t>
+            </a:r>
             <a:endParaRPr b="0" lang="en-US" sz="1800" spc="-1" strike="noStrike">
               <a:latin typeface="Arial"/>
             </a:endParaRPr>
@@ -6553,148 +6748,79 @@
               <a:buFont typeface="Wingdings" charset="2"/>
               <a:buChar char=""/>
             </a:pPr>
+            <a:r>
+              <a:rPr b="0" lang="en-US" sz="1800" spc="-1" strike="noStrike">
+                <a:solidFill>
+                  <a:srgbClr val="000000"/>
+                </a:solidFill>
+                <a:latin typeface="Arial"/>
+                <a:ea typeface="DejaVu Sans"/>
+              </a:rPr>
+              <a:t>Paired Annotated Dataset</a:t>
+            </a:r>
             <a:endParaRPr b="0" lang="en-US" sz="1800" spc="-1" strike="noStrike">
               <a:latin typeface="Arial"/>
             </a:endParaRPr>
           </a:p>
-        </p:txBody>
-      </p:sp>
-      <p:sp>
-        <p:nvSpPr>
-          <p:cNvPr id="160" name="CustomShape 49"/>
-          <p:cNvSpPr/>
-          <p:nvPr/>
-        </p:nvSpPr>
-        <p:spPr>
-          <a:xfrm>
-            <a:off x="315000" y="1737360"/>
-            <a:ext cx="9174600" cy="4674600"/>
-          </a:xfrm>
-          <a:prstGeom prst="rect">
-            <a:avLst/>
-          </a:prstGeom>
-          <a:noFill/>
-          <a:ln w="0">
-            <a:noFill/>
-          </a:ln>
-        </p:spPr>
-        <p:style>
-          <a:lnRef idx="0"/>
-          <a:fillRef idx="0"/>
-          <a:effectRef idx="0"/>
-          <a:fontRef idx="minor"/>
-        </p:style>
-        <p:txBody>
-          <a:bodyPr lIns="0" rIns="0" tIns="0" bIns="0" anchor="t">
-            <a:normAutofit/>
-          </a:bodyPr>
-          <a:p>
-            <a:pPr marL="216000" indent="-212400">
+          <a:p>
+            <a:pPr>
+              <a:lnSpc>
+                <a:spcPct val="100000"/>
+              </a:lnSpc>
+              <a:buNone/>
+            </a:pPr>
+            <a:endParaRPr b="0" lang="en-US" sz="1800" spc="-1" strike="noStrike">
+              <a:latin typeface="Arial"/>
+            </a:endParaRPr>
+          </a:p>
+          <a:p>
+            <a:pPr>
+              <a:lnSpc>
+                <a:spcPct val="100000"/>
+              </a:lnSpc>
+              <a:buNone/>
+            </a:pPr>
+            <a:endParaRPr b="0" lang="en-US" sz="1800" spc="-1" strike="noStrike">
+              <a:latin typeface="Arial"/>
+            </a:endParaRPr>
+          </a:p>
+          <a:p>
+            <a:pPr>
               <a:lnSpc>
                 <a:spcPct val="100000"/>
               </a:lnSpc>
               <a:spcAft>
                 <a:spcPts val="1140"/>
               </a:spcAft>
-              <a:buClr>
-                <a:srgbClr val="000000"/>
-              </a:buClr>
-              <a:buSzPct val="45000"/>
-              <a:buFont typeface="Wingdings" charset="2"/>
-              <a:buChar char=""/>
-            </a:pPr>
-            <a:r>
-              <a:rPr b="0" lang="en-US" sz="1800" spc="-1" strike="noStrike">
-                <a:latin typeface="Arial"/>
-                <a:ea typeface="Noto Sans CJK SC"/>
-              </a:rPr>
-              <a:t>Generative Model: Encoder-Decoder Architecture (i.e U-Net)</a:t>
-            </a:r>
+              <a:buNone/>
+            </a:pPr>
             <a:endParaRPr b="0" lang="en-US" sz="1800" spc="-1" strike="noStrike">
               <a:latin typeface="Arial"/>
             </a:endParaRPr>
           </a:p>
           <a:p>
-            <a:pPr marL="216000" indent="-212400">
+            <a:pPr>
               <a:lnSpc>
                 <a:spcPct val="100000"/>
               </a:lnSpc>
               <a:spcAft>
                 <a:spcPts val="1140"/>
               </a:spcAft>
-              <a:buClr>
-                <a:srgbClr val="000000"/>
-              </a:buClr>
-              <a:buSzPct val="45000"/>
-              <a:buFont typeface="Wingdings" charset="2"/>
-              <a:buChar char=""/>
-            </a:pPr>
-            <a:r>
-              <a:rPr b="0" lang="en-US" sz="1800" spc="-1" strike="noStrike">
-                <a:latin typeface="Arial"/>
-              </a:rPr>
-              <a:t>Paired Annotated Dataset</a:t>
-            </a:r>
+              <a:buNone/>
+            </a:pPr>
             <a:endParaRPr b="0" lang="en-US" sz="1800" spc="-1" strike="noStrike">
               <a:latin typeface="Arial"/>
             </a:endParaRPr>
           </a:p>
           <a:p>
-            <a:endParaRPr b="0" lang="en-US" sz="1800" spc="-1" strike="noStrike">
-              <a:latin typeface="Arial"/>
-            </a:endParaRPr>
-          </a:p>
-          <a:p>
-            <a:endParaRPr b="0" lang="en-US" sz="1800" spc="-1" strike="noStrike">
-              <a:latin typeface="Arial"/>
-            </a:endParaRPr>
-          </a:p>
-          <a:p>
-            <a:pPr lvl="1" marL="432000" indent="-216000">
+            <a:pPr>
+              <a:lnSpc>
+                <a:spcPct val="100000"/>
+              </a:lnSpc>
               <a:spcAft>
                 <a:spcPts val="1140"/>
               </a:spcAft>
-              <a:buClr>
-                <a:srgbClr val="000000"/>
-              </a:buClr>
-              <a:buSzPct val="45000"/>
-              <a:buFont typeface="Wingdings" charset="2"/>
-              <a:buChar char=""/>
-            </a:pPr>
-            <a:endParaRPr b="0" lang="en-US" sz="1800" spc="-1" strike="noStrike">
-              <a:latin typeface="Arial"/>
-            </a:endParaRPr>
-          </a:p>
-          <a:p>
-            <a:pPr marL="216000" indent="-212400">
-              <a:spcAft>
-                <a:spcPts val="1140"/>
-              </a:spcAft>
-              <a:buClr>
-                <a:srgbClr val="000000"/>
-              </a:buClr>
-              <a:buSzPct val="45000"/>
-              <a:buFont typeface="Wingdings" charset="2"/>
-              <a:buChar char=""/>
-            </a:pPr>
-            <a:endParaRPr b="0" lang="en-US" sz="1800" spc="-1" strike="noStrike">
-              <a:latin typeface="Arial"/>
-            </a:endParaRPr>
-          </a:p>
-          <a:p>
-            <a:pPr marL="216000" indent="-212400">
-              <a:lnSpc>
-                <a:spcPct val="100000"/>
-              </a:lnSpc>
-              <a:spcAft>
-                <a:spcPts val="1140"/>
-              </a:spcAft>
-              <a:buClr>
-                <a:srgbClr val="000000"/>
-              </a:buClr>
-              <a:buSzPct val="45000"/>
-              <a:buFont typeface="Wingdings" charset="2"/>
-              <a:buChar char=""/>
+              <a:buNone/>
             </a:pPr>
             <a:endParaRPr b="0" lang="en-US" sz="1800" spc="-1" strike="noStrike">
               <a:latin typeface="Arial"/>
@@ -6715,7 +6841,7 @@
         <p:spPr>
           <a:xfrm>
             <a:off x="2286000" y="2953440"/>
-            <a:ext cx="5064840" cy="3447360"/>
+            <a:ext cx="5064480" cy="3447000"/>
           </a:xfrm>
           <a:prstGeom prst="rect">
             <a:avLst/>
@@ -6733,13 +6859,13 @@
         </p:nvPicPr>
         <p:blipFill>
           <a:blip r:embed="rId2"/>
-          <a:srcRect l="0" t="0" r="58042" b="0"/>
+          <a:srcRect l="0" t="0" r="58037" b="0"/>
           <a:stretch/>
         </p:blipFill>
         <p:spPr>
           <a:xfrm>
             <a:off x="8458200" y="3185280"/>
-            <a:ext cx="1108080" cy="1615320"/>
+            <a:ext cx="1107720" cy="1614960"/>
           </a:xfrm>
           <a:prstGeom prst="rect">
             <a:avLst/>
@@ -6781,14 +6907,14 @@
       </p:grpSpPr>
       <p:sp>
         <p:nvSpPr>
-          <p:cNvPr id="163" name="CustomShape 51"/>
+          <p:cNvPr id="163" name="CustomShape 69"/>
           <p:cNvSpPr/>
           <p:nvPr/>
         </p:nvSpPr>
         <p:spPr>
           <a:xfrm>
             <a:off x="360000" y="360000"/>
-            <a:ext cx="9354600" cy="894600"/>
+            <a:ext cx="9354240" cy="894240"/>
           </a:xfrm>
           <a:prstGeom prst="rect">
             <a:avLst/>
@@ -6823,7 +6949,7 @@
                 <a:latin typeface="Latin Modern Sans"/>
                 <a:ea typeface="DejaVu Sans"/>
               </a:rPr>
-              <a:t>Cycle-GAN</a:t>
+              <a:t>Let’s Code</a:t>
             </a:r>
             <a:endParaRPr b="0" lang="en-US" sz="3200" spc="-1" strike="noStrike">
               <a:latin typeface="Arial"/>
@@ -6833,14 +6959,14 @@
       </p:sp>
       <p:sp>
         <p:nvSpPr>
-          <p:cNvPr id="164" name="CustomShape 52"/>
+          <p:cNvPr id="164" name="CustomShape 70"/>
           <p:cNvSpPr/>
           <p:nvPr/>
         </p:nvSpPr>
         <p:spPr>
           <a:xfrm>
             <a:off x="897120" y="6886080"/>
-            <a:ext cx="6441840" cy="359640"/>
+            <a:ext cx="6441480" cy="359280"/>
           </a:xfrm>
           <a:prstGeom prst="rect">
             <a:avLst/>
@@ -6885,14 +7011,14 @@
       </p:sp>
       <p:sp>
         <p:nvSpPr>
-          <p:cNvPr id="165" name="CustomShape 53"/>
+          <p:cNvPr id="165" name="CustomShape 71"/>
           <p:cNvSpPr/>
           <p:nvPr/>
         </p:nvSpPr>
         <p:spPr>
           <a:xfrm>
             <a:off x="7608600" y="6886080"/>
-            <a:ext cx="2279880" cy="359640"/>
+            <a:ext cx="2279520" cy="359280"/>
           </a:xfrm>
           <a:prstGeom prst="rect">
             <a:avLst/>
@@ -6969,14 +7095,14 @@
       </p:sp>
       <p:sp>
         <p:nvSpPr>
-          <p:cNvPr id="166" name="CustomShape 54"/>
+          <p:cNvPr id="166" name="CustomShape 72"/>
           <p:cNvSpPr/>
           <p:nvPr/>
         </p:nvSpPr>
         <p:spPr>
           <a:xfrm>
             <a:off x="360000" y="1980000"/>
-            <a:ext cx="9174600" cy="4674600"/>
+            <a:ext cx="9174240" cy="4674240"/>
           </a:xfrm>
           <a:prstGeom prst="rect">
             <a:avLst/>
@@ -6997,7 +7123,69 @@
             <a:normAutofit/>
           </a:bodyPr>
           <a:p>
+            <a:pPr>
+              <a:lnSpc>
+                <a:spcPct val="100000"/>
+              </a:lnSpc>
+              <a:spcAft>
+                <a:spcPts val="1140"/>
+              </a:spcAft>
+              <a:buNone/>
+            </a:pPr>
+            <a:endParaRPr b="0" lang="en-US" sz="1800" spc="-1" strike="noStrike">
+              <a:latin typeface="Arial"/>
+            </a:endParaRPr>
+          </a:p>
+          <a:p>
+            <a:pPr>
+              <a:lnSpc>
+                <a:spcPct val="100000"/>
+              </a:lnSpc>
+              <a:spcAft>
+                <a:spcPts val="1140"/>
+              </a:spcAft>
+              <a:buNone/>
+            </a:pPr>
+            <a:endParaRPr b="0" lang="en-US" sz="1800" spc="-1" strike="noStrike">
+              <a:latin typeface="Arial"/>
+            </a:endParaRPr>
+          </a:p>
+        </p:txBody>
+      </p:sp>
+      <p:sp>
+        <p:nvSpPr>
+          <p:cNvPr id="167" name="CustomShape 73"/>
+          <p:cNvSpPr/>
+          <p:nvPr/>
+        </p:nvSpPr>
+        <p:spPr>
+          <a:xfrm>
+            <a:off x="315000" y="1737360"/>
+            <a:ext cx="9174240" cy="4674240"/>
+          </a:xfrm>
+          <a:prstGeom prst="rect">
+            <a:avLst/>
+          </a:prstGeom>
+          <a:noFill/>
+          <a:ln w="0">
+            <a:noFill/>
+          </a:ln>
+        </p:spPr>
+        <p:style>
+          <a:lnRef idx="0"/>
+          <a:fillRef idx="0"/>
+          <a:effectRef idx="0"/>
+          <a:fontRef idx="minor"/>
+        </p:style>
+        <p:txBody>
+          <a:bodyPr lIns="0" rIns="0" tIns="0" bIns="0" anchor="t">
+            <a:normAutofit/>
+          </a:bodyPr>
+          <a:p>
             <a:pPr marL="216000" indent="-212400">
+              <a:lnSpc>
+                <a:spcPct val="100000"/>
+              </a:lnSpc>
               <a:spcAft>
                 <a:spcPts val="1140"/>
               </a:spcAft>
@@ -7008,10 +7196,353 @@
               <a:buFont typeface="Wingdings" charset="2"/>
               <a:buChar char=""/>
             </a:pPr>
+            <a:r>
+              <a:rPr b="0" lang="en-US" sz="1800" spc="-1" strike="noStrike" u="sng">
+                <a:solidFill>
+                  <a:srgbClr val="0000ff"/>
+                </a:solidFill>
+                <a:uFillTx/>
+                <a:latin typeface="Arial"/>
+                <a:ea typeface="DejaVu Sans"/>
+                <a:hlinkClick r:id="rId1"/>
+              </a:rPr>
+              <a:t>LINK: Lecture_12-pix2pix.ipynb</a:t>
+            </a:r>
             <a:endParaRPr b="0" lang="en-US" sz="1800" spc="-1" strike="noStrike">
               <a:latin typeface="Arial"/>
             </a:endParaRPr>
           </a:p>
+        </p:txBody>
+      </p:sp>
+      <p:pic>
+        <p:nvPicPr>
+          <p:cNvPr id="168" name="" descr=""/>
+          <p:cNvPicPr/>
+          <p:nvPr/>
+        </p:nvPicPr>
+        <p:blipFill>
+          <a:blip r:embed="rId2"/>
+          <a:stretch/>
+        </p:blipFill>
+        <p:spPr>
+          <a:xfrm>
+            <a:off x="2286000" y="2953800"/>
+            <a:ext cx="5064480" cy="3447000"/>
+          </a:xfrm>
+          <a:prstGeom prst="rect">
+            <a:avLst/>
+          </a:prstGeom>
+          <a:ln w="0">
+            <a:noFill/>
+          </a:ln>
+        </p:spPr>
+      </p:pic>
+    </p:spTree>
+  </p:cSld>
+  <mc:AlternateContent>
+    <mc:Choice Requires="p14">
+      <p:transition spd="slow" p14:dur="2000"/>
+    </mc:Choice>
+    <mc:Fallback>
+      <p:transition spd="slow"/>
+    </mc:Fallback>
+  </mc:AlternateContent>
+</p:sld>
+</file>
+
+<file path=ppt/slides/slide13.xml><?xml version="1.0" encoding="utf-8"?>
+<p:sld xmlns:a="http://schemas.openxmlformats.org/drawingml/2006/main" xmlns:p="http://schemas.openxmlformats.org/presentationml/2006/main" xmlns:r="http://schemas.openxmlformats.org/officeDocument/2006/relationships" xmlns:p14="http://schemas.microsoft.com/office/powerpoint/2010/main" xmlns:p15="http://schemas.microsoft.com/office/powerpoint/2012/main" xmlns:mc="http://schemas.openxmlformats.org/markup-compatibility/2006">
+  <p:cSld>
+    <p:spTree>
+      <p:nvGrpSpPr>
+        <p:cNvPr id="1" name=""/>
+        <p:cNvGrpSpPr/>
+        <p:nvPr/>
+      </p:nvGrpSpPr>
+      <p:grpSpPr>
+        <a:xfrm>
+          <a:off x="0" y="0"/>
+          <a:ext cx="0" cy="0"/>
+          <a:chOff x="0" y="0"/>
+          <a:chExt cx="0" cy="0"/>
+        </a:xfrm>
+      </p:grpSpPr>
+      <p:sp>
+        <p:nvSpPr>
+          <p:cNvPr id="169" name="CustomShape 63"/>
+          <p:cNvSpPr/>
+          <p:nvPr/>
+        </p:nvSpPr>
+        <p:spPr>
+          <a:xfrm>
+            <a:off x="360000" y="360000"/>
+            <a:ext cx="9354240" cy="894240"/>
+          </a:xfrm>
+          <a:prstGeom prst="rect">
+            <a:avLst/>
+          </a:prstGeom>
+          <a:noFill/>
+          <a:ln w="0">
+            <a:noFill/>
+          </a:ln>
+        </p:spPr>
+        <p:style>
+          <a:lnRef idx="0"/>
+          <a:fillRef idx="0"/>
+          <a:effectRef idx="0"/>
+          <a:fontRef idx="minor"/>
+        </p:style>
+        <p:txBody>
+          <a:bodyPr lIns="0" rIns="0" tIns="0" bIns="0" anchor="b">
+            <a:noAutofit/>
+          </a:bodyPr>
+          <a:p>
+            <a:pPr>
+              <a:lnSpc>
+                <a:spcPct val="100000"/>
+              </a:lnSpc>
+              <a:buNone/>
+            </a:pPr>
+            <a:r>
+              <a:rPr b="1" lang="en-US" sz="3200" spc="-1" strike="noStrike">
+                <a:solidFill>
+                  <a:srgbClr val="ffffff"/>
+                </a:solidFill>
+                <a:latin typeface="Latin Modern Sans"/>
+                <a:ea typeface="DejaVu Sans"/>
+              </a:rPr>
+              <a:t>Course Final Remarks</a:t>
+            </a:r>
+            <a:endParaRPr b="0" lang="en-US" sz="3200" spc="-1" strike="noStrike">
+              <a:latin typeface="Arial"/>
+            </a:endParaRPr>
+          </a:p>
+        </p:txBody>
+      </p:sp>
+      <p:sp>
+        <p:nvSpPr>
+          <p:cNvPr id="170" name="CustomShape 64"/>
+          <p:cNvSpPr/>
+          <p:nvPr/>
+        </p:nvSpPr>
+        <p:spPr>
+          <a:xfrm>
+            <a:off x="897120" y="6886080"/>
+            <a:ext cx="6441480" cy="359280"/>
+          </a:xfrm>
+          <a:prstGeom prst="rect">
+            <a:avLst/>
+          </a:prstGeom>
+          <a:noFill/>
+          <a:ln w="0">
+            <a:noFill/>
+          </a:ln>
+        </p:spPr>
+        <p:style>
+          <a:lnRef idx="0"/>
+          <a:fillRef idx="0"/>
+          <a:effectRef idx="0"/>
+          <a:fontRef idx="minor"/>
+        </p:style>
+        <p:txBody>
+          <a:bodyPr lIns="90000" rIns="90000" tIns="45000" bIns="45000" anchor="t">
+            <a:noAutofit/>
+          </a:bodyPr>
+          <a:p>
+            <a:pPr>
+              <a:lnSpc>
+                <a:spcPct val="100000"/>
+              </a:lnSpc>
+              <a:buNone/>
+            </a:pPr>
+            <a:r>
+              <a:rPr b="0" lang="pt-BR" sz="1800" spc="-1" strike="noStrike">
+                <a:solidFill>
+                  <a:srgbClr val="000000"/>
+                </a:solidFill>
+                <a:latin typeface="Arial"/>
+                <a:ea typeface="DejaVu Sans"/>
+              </a:rPr>
+              <a:t>Computer Vision - Prof. André Hochuli</a:t>
+            </a:r>
+            <a:endParaRPr b="0" lang="en-US" sz="1800" spc="-1" strike="noStrike">
+              <a:latin typeface="Arial"/>
+            </a:endParaRPr>
+          </a:p>
+        </p:txBody>
+      </p:sp>
+      <p:sp>
+        <p:nvSpPr>
+          <p:cNvPr id="171" name="CustomShape 65"/>
+          <p:cNvSpPr/>
+          <p:nvPr/>
+        </p:nvSpPr>
+        <p:spPr>
+          <a:xfrm>
+            <a:off x="7608600" y="6886080"/>
+            <a:ext cx="2279520" cy="359280"/>
+          </a:xfrm>
+          <a:prstGeom prst="rect">
+            <a:avLst/>
+          </a:prstGeom>
+          <a:noFill/>
+          <a:ln w="0">
+            <a:noFill/>
+          </a:ln>
+        </p:spPr>
+        <p:style>
+          <a:lnRef idx="0"/>
+          <a:fillRef idx="0"/>
+          <a:effectRef idx="0"/>
+          <a:fontRef idx="minor"/>
+        </p:style>
+        <p:txBody>
+          <a:bodyPr lIns="90000" rIns="90000" tIns="45000" bIns="45000" anchor="t">
+            <a:noAutofit/>
+          </a:bodyPr>
+          <a:p>
+            <a:pPr>
+              <a:lnSpc>
+                <a:spcPct val="100000"/>
+              </a:lnSpc>
+              <a:buNone/>
+            </a:pPr>
+            <a:r>
+              <a:rPr b="0" lang="en-US" sz="1800" spc="-1" strike="noStrike">
+                <a:solidFill>
+                  <a:srgbClr val="000000"/>
+                </a:solidFill>
+                <a:latin typeface="Arial"/>
+                <a:ea typeface="DejaVu Sans"/>
+              </a:rPr>
+              <a:t>Lecture</a:t>
+            </a:r>
+            <a:r>
+              <a:rPr b="0" lang="pt-BR" sz="1800" spc="-1" strike="noStrike">
+                <a:solidFill>
+                  <a:srgbClr val="000000"/>
+                </a:solidFill>
+                <a:latin typeface="Arial"/>
+                <a:ea typeface="DejaVu Sans"/>
+              </a:rPr>
+              <a:t> 12</a:t>
+            </a:r>
+            <a:endParaRPr b="0" lang="en-US" sz="1800" spc="-1" strike="noStrike">
+              <a:latin typeface="Arial"/>
+            </a:endParaRPr>
+          </a:p>
+          <a:p>
+            <a:pPr>
+              <a:lnSpc>
+                <a:spcPct val="100000"/>
+              </a:lnSpc>
+              <a:buNone/>
+            </a:pPr>
+            <a:endParaRPr b="0" lang="en-US" sz="1800" spc="-1" strike="noStrike">
+              <a:latin typeface="Arial"/>
+            </a:endParaRPr>
+          </a:p>
+          <a:p>
+            <a:pPr>
+              <a:lnSpc>
+                <a:spcPct val="100000"/>
+              </a:lnSpc>
+              <a:buNone/>
+            </a:pPr>
+            <a:endParaRPr b="0" lang="en-US" sz="1800" spc="-1" strike="noStrike">
+              <a:latin typeface="Arial"/>
+            </a:endParaRPr>
+          </a:p>
+        </p:txBody>
+      </p:sp>
+      <p:sp>
+        <p:nvSpPr>
+          <p:cNvPr id="172" name="CustomShape 66"/>
+          <p:cNvSpPr/>
+          <p:nvPr/>
+        </p:nvSpPr>
+        <p:spPr>
+          <a:xfrm>
+            <a:off x="360000" y="1980000"/>
+            <a:ext cx="9174240" cy="4674240"/>
+          </a:xfrm>
+          <a:prstGeom prst="rect">
+            <a:avLst/>
+          </a:prstGeom>
+          <a:noFill/>
+          <a:ln w="0">
+            <a:noFill/>
+          </a:ln>
+        </p:spPr>
+        <p:style>
+          <a:lnRef idx="0"/>
+          <a:fillRef idx="0"/>
+          <a:effectRef idx="0"/>
+          <a:fontRef idx="minor"/>
+        </p:style>
+        <p:txBody>
+          <a:bodyPr lIns="0" rIns="0" tIns="0" bIns="0" anchor="t">
+            <a:normAutofit/>
+          </a:bodyPr>
+          <a:p>
+            <a:pPr>
+              <a:lnSpc>
+                <a:spcPct val="100000"/>
+              </a:lnSpc>
+              <a:spcAft>
+                <a:spcPts val="1140"/>
+              </a:spcAft>
+              <a:buNone/>
+            </a:pPr>
+            <a:endParaRPr b="0" lang="en-US" sz="1800" spc="-1" strike="noStrike">
+              <a:latin typeface="Arial"/>
+            </a:endParaRPr>
+          </a:p>
+          <a:p>
+            <a:pPr>
+              <a:lnSpc>
+                <a:spcPct val="100000"/>
+              </a:lnSpc>
+              <a:spcAft>
+                <a:spcPts val="1140"/>
+              </a:spcAft>
+              <a:buNone/>
+            </a:pPr>
+            <a:endParaRPr b="0" lang="en-US" sz="1800" spc="-1" strike="noStrike">
+              <a:latin typeface="Arial"/>
+            </a:endParaRPr>
+          </a:p>
+        </p:txBody>
+      </p:sp>
+      <p:sp>
+        <p:nvSpPr>
+          <p:cNvPr id="173" name="CustomShape 67"/>
+          <p:cNvSpPr/>
+          <p:nvPr/>
+        </p:nvSpPr>
+        <p:spPr>
+          <a:xfrm>
+            <a:off x="315000" y="1737360"/>
+            <a:ext cx="9174240" cy="4674240"/>
+          </a:xfrm>
+          <a:prstGeom prst="rect">
+            <a:avLst/>
+          </a:prstGeom>
+          <a:noFill/>
+          <a:ln w="0">
+            <a:noFill/>
+          </a:ln>
+        </p:spPr>
+        <p:style>
+          <a:lnRef idx="0"/>
+          <a:fillRef idx="0"/>
+          <a:effectRef idx="0"/>
+          <a:fontRef idx="minor"/>
+        </p:style>
+        <p:txBody>
+          <a:bodyPr lIns="0" rIns="0" tIns="0" bIns="0" anchor="t">
+            <a:normAutofit fontScale="76000"/>
+          </a:bodyPr>
           <a:p>
             <a:pPr marL="216000" indent="-212400">
               <a:lnSpc>
@@ -7027,43 +7558,22 @@
               <a:buFont typeface="Wingdings" charset="2"/>
               <a:buChar char=""/>
             </a:pPr>
+            <a:r>
+              <a:rPr b="0" lang="en-US" sz="1800" spc="-1" strike="noStrike">
+                <a:solidFill>
+                  <a:srgbClr val="000000"/>
+                </a:solidFill>
+                <a:latin typeface="Arial"/>
+                <a:ea typeface="Noto Sans CJK SC"/>
+              </a:rPr>
+              <a:t>12 Lectures / Topics </a:t>
+            </a:r>
             <a:endParaRPr b="0" lang="en-US" sz="1800" spc="-1" strike="noStrike">
               <a:latin typeface="Arial"/>
             </a:endParaRPr>
           </a:p>
-        </p:txBody>
-      </p:sp>
-      <p:sp>
-        <p:nvSpPr>
-          <p:cNvPr id="167" name="CustomShape 55"/>
-          <p:cNvSpPr/>
-          <p:nvPr/>
-        </p:nvSpPr>
-        <p:spPr>
-          <a:xfrm>
-            <a:off x="315000" y="1737360"/>
-            <a:ext cx="9174600" cy="4674600"/>
-          </a:xfrm>
-          <a:prstGeom prst="rect">
-            <a:avLst/>
-          </a:prstGeom>
-          <a:noFill/>
-          <a:ln w="0">
-            <a:noFill/>
-          </a:ln>
-        </p:spPr>
-        <p:style>
-          <a:lnRef idx="0"/>
-          <a:fillRef idx="0"/>
-          <a:effectRef idx="0"/>
-          <a:fontRef idx="minor"/>
-        </p:style>
-        <p:txBody>
-          <a:bodyPr lIns="0" rIns="0" tIns="0" bIns="0" anchor="t">
-            <a:normAutofit/>
-          </a:bodyPr>
-          <a:p>
-            <a:pPr marL="216000" indent="-212400">
+          <a:p>
+            <a:pPr lvl="1" marL="432000" indent="-216000">
               <a:lnSpc>
                 <a:spcPct val="100000"/>
               </a:lnSpc>
@@ -7079,10 +7589,13 @@
             </a:pPr>
             <a:r>
               <a:rPr b="0" lang="en-US" sz="1800" spc="-1" strike="noStrike">
+                <a:solidFill>
+                  <a:srgbClr val="000000"/>
+                </a:solidFill>
                 <a:latin typeface="Arial"/>
                 <a:ea typeface="Noto Sans CJK SC"/>
               </a:rPr>
-              <a:t>4 Networks </a:t>
+              <a:t>Image Processing</a:t>
             </a:r>
             <a:endParaRPr b="0" lang="en-US" sz="1800" spc="-1" strike="noStrike">
               <a:latin typeface="Arial"/>
@@ -7105,17 +7618,20 @@
             </a:pPr>
             <a:r>
               <a:rPr b="0" lang="en-US" sz="1800" spc="-1" strike="noStrike">
+                <a:solidFill>
+                  <a:srgbClr val="000000"/>
+                </a:solidFill>
                 <a:latin typeface="Arial"/>
                 <a:ea typeface="Noto Sans CJK SC"/>
               </a:rPr>
-              <a:t>2 Generators</a:t>
+              <a:t>Image Classification</a:t>
             </a:r>
             <a:endParaRPr b="0" lang="en-US" sz="1800" spc="-1" strike="noStrike">
               <a:latin typeface="Arial"/>
             </a:endParaRPr>
           </a:p>
           <a:p>
-            <a:pPr lvl="1" marL="432000" indent="-216000">
+            <a:pPr lvl="2" marL="648000" indent="-216000">
               <a:lnSpc>
                 <a:spcPct val="100000"/>
               </a:lnSpc>
@@ -7131,17 +7647,20 @@
             </a:pPr>
             <a:r>
               <a:rPr b="0" lang="en-US" sz="1800" spc="-1" strike="noStrike">
+                <a:solidFill>
+                  <a:srgbClr val="000000"/>
+                </a:solidFill>
                 <a:latin typeface="Arial"/>
                 <a:ea typeface="Noto Sans CJK SC"/>
               </a:rPr>
-              <a:t>2 Discriminators</a:t>
+              <a:t>Feature Extraction</a:t>
             </a:r>
             <a:endParaRPr b="0" lang="en-US" sz="1800" spc="-1" strike="noStrike">
               <a:latin typeface="Arial"/>
             </a:endParaRPr>
           </a:p>
           <a:p>
-            <a:pPr marL="216000" indent="-212400">
+            <a:pPr lvl="2" marL="648000" indent="-216000">
               <a:lnSpc>
                 <a:spcPct val="100000"/>
               </a:lnSpc>
@@ -7155,12 +7674,22 @@
               <a:buFont typeface="Wingdings" charset="2"/>
               <a:buChar char=""/>
             </a:pPr>
+            <a:r>
+              <a:rPr b="0" lang="en-US" sz="1800" spc="-1" strike="noStrike">
+                <a:solidFill>
+                  <a:srgbClr val="000000"/>
+                </a:solidFill>
+                <a:latin typeface="Arial"/>
+                <a:ea typeface="Noto Sans CJK SC"/>
+              </a:rPr>
+              <a:t>Shallow Classification </a:t>
+            </a:r>
             <a:endParaRPr b="0" lang="en-US" sz="1800" spc="-1" strike="noStrike">
               <a:latin typeface="Arial"/>
             </a:endParaRPr>
           </a:p>
           <a:p>
-            <a:pPr marL="216000" indent="-212400">
+            <a:pPr lvl="2" marL="648000" indent="-216000">
               <a:lnSpc>
                 <a:spcPct val="100000"/>
               </a:lnSpc>
@@ -7176,33 +7705,23 @@
             </a:pPr>
             <a:r>
               <a:rPr b="0" lang="en-US" sz="1800" spc="-1" strike="noStrike">
+                <a:solidFill>
+                  <a:srgbClr val="000000"/>
+                </a:solidFill>
                 <a:latin typeface="Arial"/>
                 <a:ea typeface="Noto Sans CJK SC"/>
               </a:rPr>
-              <a:t>Unp</a:t>
-            </a:r>
-            <a:r>
-              <a:rPr b="0" lang="en-US" sz="1800" spc="-1" strike="noStrike">
-                <a:latin typeface="Arial"/>
-              </a:rPr>
-              <a:t>aired Annotated Dataset</a:t>
+              <a:t>Deep Learning </a:t>
             </a:r>
             <a:endParaRPr b="0" lang="en-US" sz="1800" spc="-1" strike="noStrike">
               <a:latin typeface="Arial"/>
             </a:endParaRPr>
           </a:p>
           <a:p>
-            <a:endParaRPr b="0" lang="en-US" sz="1800" spc="-1" strike="noStrike">
-              <a:latin typeface="Arial"/>
-            </a:endParaRPr>
-          </a:p>
-          <a:p>
-            <a:endParaRPr b="0" lang="en-US" sz="1800" spc="-1" strike="noStrike">
-              <a:latin typeface="Arial"/>
-            </a:endParaRPr>
-          </a:p>
-          <a:p>
-            <a:pPr lvl="1" marL="432000" indent="-216000">
+            <a:pPr lvl="3" marL="864000" indent="-216000">
+              <a:lnSpc>
+                <a:spcPct val="100000"/>
+              </a:lnSpc>
               <a:spcAft>
                 <a:spcPts val="1140"/>
               </a:spcAft>
@@ -7213,12 +7732,25 @@
               <a:buFont typeface="Wingdings" charset="2"/>
               <a:buChar char=""/>
             </a:pPr>
+            <a:r>
+              <a:rPr b="0" lang="en-US" sz="1800" spc="-1" strike="noStrike">
+                <a:solidFill>
+                  <a:srgbClr val="000000"/>
+                </a:solidFill>
+                <a:latin typeface="Arial"/>
+                <a:ea typeface="Noto Sans CJK SC"/>
+              </a:rPr>
+              <a:t>Classification</a:t>
+            </a:r>
             <a:endParaRPr b="0" lang="en-US" sz="1800" spc="-1" strike="noStrike">
               <a:latin typeface="Arial"/>
             </a:endParaRPr>
           </a:p>
           <a:p>
-            <a:pPr marL="216000" indent="-212400">
+            <a:pPr lvl="3" marL="864000" indent="-216000">
+              <a:lnSpc>
+                <a:spcPct val="100000"/>
+              </a:lnSpc>
               <a:spcAft>
                 <a:spcPts val="1140"/>
               </a:spcAft>
@@ -7229,12 +7761,22 @@
               <a:buFont typeface="Wingdings" charset="2"/>
               <a:buChar char=""/>
             </a:pPr>
+            <a:r>
+              <a:rPr b="0" lang="en-US" sz="1800" spc="-1" strike="noStrike">
+                <a:solidFill>
+                  <a:srgbClr val="000000"/>
+                </a:solidFill>
+                <a:latin typeface="Arial"/>
+                <a:ea typeface="Noto Sans CJK SC"/>
+              </a:rPr>
+              <a:t>Segmentation</a:t>
+            </a:r>
             <a:endParaRPr b="0" lang="en-US" sz="1800" spc="-1" strike="noStrike">
               <a:latin typeface="Arial"/>
             </a:endParaRPr>
           </a:p>
           <a:p>
-            <a:pPr marL="216000" indent="-212400">
+            <a:pPr lvl="3" marL="864000" indent="-216000">
               <a:lnSpc>
                 <a:spcPct val="100000"/>
               </a:lnSpc>
@@ -7248,59 +7790,250 @@
               <a:buFont typeface="Wingdings" charset="2"/>
               <a:buChar char=""/>
             </a:pPr>
+            <a:r>
+              <a:rPr b="0" lang="en-US" sz="1800" spc="-1" strike="noStrike">
+                <a:solidFill>
+                  <a:srgbClr val="000000"/>
+                </a:solidFill>
+                <a:latin typeface="Arial"/>
+                <a:ea typeface="Noto Sans CJK SC"/>
+              </a:rPr>
+              <a:t>GANs</a:t>
+            </a:r>
             <a:endParaRPr b="0" lang="en-US" sz="1800" spc="-1" strike="noStrike">
               <a:latin typeface="Arial"/>
             </a:endParaRPr>
           </a:p>
-        </p:txBody>
-      </p:sp>
-      <p:pic>
-        <p:nvPicPr>
-          <p:cNvPr id="168" name="" descr=""/>
-          <p:cNvPicPr/>
-          <p:nvPr/>
-        </p:nvPicPr>
-        <p:blipFill>
-          <a:blip r:embed="rId1"/>
-          <a:stretch/>
-        </p:blipFill>
-        <p:spPr>
-          <a:xfrm>
-            <a:off x="2057400" y="4285080"/>
-            <a:ext cx="5029200" cy="1887120"/>
-          </a:xfrm>
-          <a:prstGeom prst="rect">
-            <a:avLst/>
-          </a:prstGeom>
-          <a:ln w="0">
-            <a:noFill/>
-          </a:ln>
-        </p:spPr>
-      </p:pic>
-      <p:pic>
-        <p:nvPicPr>
-          <p:cNvPr id="169" name="" descr=""/>
-          <p:cNvPicPr/>
-          <p:nvPr/>
-        </p:nvPicPr>
-        <p:blipFill>
-          <a:blip r:embed="rId2"/>
-          <a:srcRect l="43237" t="0" r="-3817" b="0"/>
-          <a:stretch/>
-        </p:blipFill>
-        <p:spPr>
-          <a:xfrm>
-            <a:off x="8001000" y="4556880"/>
-            <a:ext cx="1600200" cy="1615320"/>
-          </a:xfrm>
-          <a:prstGeom prst="rect">
-            <a:avLst/>
-          </a:prstGeom>
-          <a:ln w="0">
-            <a:noFill/>
-          </a:ln>
-        </p:spPr>
-      </p:pic>
+          <a:p>
+            <a:pPr lvl="3" marL="864000" indent="-216000">
+              <a:lnSpc>
+                <a:spcPct val="100000"/>
+              </a:lnSpc>
+              <a:spcAft>
+                <a:spcPts val="1140"/>
+              </a:spcAft>
+              <a:buClr>
+                <a:srgbClr val="000000"/>
+              </a:buClr>
+              <a:buSzPct val="45000"/>
+              <a:buFont typeface="Wingdings" charset="2"/>
+              <a:buChar char=""/>
+            </a:pPr>
+            <a:endParaRPr b="0" lang="en-US" sz="1800" spc="-1" strike="noStrike">
+              <a:latin typeface="Arial"/>
+            </a:endParaRPr>
+          </a:p>
+          <a:p>
+            <a:pPr lvl="1" marL="432000" indent="-216000">
+              <a:lnSpc>
+                <a:spcPct val="100000"/>
+              </a:lnSpc>
+              <a:spcAft>
+                <a:spcPts val="1140"/>
+              </a:spcAft>
+              <a:buClr>
+                <a:srgbClr val="000000"/>
+              </a:buClr>
+              <a:buSzPct val="45000"/>
+              <a:buFont typeface="Wingdings" charset="2"/>
+              <a:buChar char=""/>
+            </a:pPr>
+            <a:r>
+              <a:rPr b="0" lang="en-US" sz="1800" spc="-1" strike="noStrike">
+                <a:solidFill>
+                  <a:srgbClr val="000000"/>
+                </a:solidFill>
+                <a:latin typeface="Arial"/>
+                <a:ea typeface="Noto Sans CJK SC"/>
+              </a:rPr>
+              <a:t>04 assessment tasks</a:t>
+            </a:r>
+            <a:endParaRPr b="0" lang="en-US" sz="1800" spc="-1" strike="noStrike">
+              <a:latin typeface="Arial"/>
+            </a:endParaRPr>
+          </a:p>
+          <a:p>
+            <a:pPr lvl="2" marL="648000" indent="-216000">
+              <a:lnSpc>
+                <a:spcPct val="100000"/>
+              </a:lnSpc>
+              <a:spcAft>
+                <a:spcPts val="1140"/>
+              </a:spcAft>
+              <a:buClr>
+                <a:srgbClr val="000000"/>
+              </a:buClr>
+              <a:buSzPct val="45000"/>
+              <a:buFont typeface="Wingdings" charset="2"/>
+              <a:buChar char=""/>
+            </a:pPr>
+            <a:r>
+              <a:rPr b="0" lang="en-US" sz="1800" spc="-1" strike="noStrike">
+                <a:solidFill>
+                  <a:srgbClr val="000000"/>
+                </a:solidFill>
+                <a:latin typeface="Arial"/>
+                <a:ea typeface="Noto Sans CJK SC"/>
+              </a:rPr>
+              <a:t>License Plate Segmentation</a:t>
+            </a:r>
+            <a:endParaRPr b="0" lang="en-US" sz="1800" spc="-1" strike="noStrike">
+              <a:latin typeface="Arial"/>
+            </a:endParaRPr>
+          </a:p>
+          <a:p>
+            <a:pPr lvl="2" marL="648000" indent="-216000">
+              <a:lnSpc>
+                <a:spcPct val="100000"/>
+              </a:lnSpc>
+              <a:spcAft>
+                <a:spcPts val="1140"/>
+              </a:spcAft>
+              <a:buClr>
+                <a:srgbClr val="000000"/>
+              </a:buClr>
+              <a:buSzPct val="45000"/>
+              <a:buFont typeface="Wingdings" charset="2"/>
+              <a:buChar char=""/>
+            </a:pPr>
+            <a:r>
+              <a:rPr b="0" lang="en-US" sz="1800" spc="-1" strike="noStrike">
+                <a:solidFill>
+                  <a:srgbClr val="000000"/>
+                </a:solidFill>
+                <a:latin typeface="Arial"/>
+                <a:ea typeface="Noto Sans CJK SC"/>
+              </a:rPr>
+              <a:t>Simpsons Classification (Shallow Based Models)</a:t>
+            </a:r>
+            <a:endParaRPr b="0" lang="en-US" sz="1800" spc="-1" strike="noStrike">
+              <a:latin typeface="Arial"/>
+            </a:endParaRPr>
+          </a:p>
+          <a:p>
+            <a:pPr lvl="2" marL="648000" indent="-216000">
+              <a:lnSpc>
+                <a:spcPct val="100000"/>
+              </a:lnSpc>
+              <a:spcAft>
+                <a:spcPts val="1140"/>
+              </a:spcAft>
+              <a:buClr>
+                <a:srgbClr val="000000"/>
+              </a:buClr>
+              <a:buSzPct val="45000"/>
+              <a:buFont typeface="Wingdings" charset="2"/>
+              <a:buChar char=""/>
+            </a:pPr>
+            <a:r>
+              <a:rPr b="0" lang="en-US" sz="1800" spc="-1" strike="noStrike">
+                <a:solidFill>
+                  <a:srgbClr val="000000"/>
+                </a:solidFill>
+                <a:latin typeface="Arial"/>
+                <a:ea typeface="Noto Sans CJK SC"/>
+              </a:rPr>
+              <a:t>Simpsons Classification (CNN Based)</a:t>
+            </a:r>
+            <a:endParaRPr b="0" lang="en-US" sz="1800" spc="-1" strike="noStrike">
+              <a:latin typeface="Arial"/>
+            </a:endParaRPr>
+          </a:p>
+          <a:p>
+            <a:pPr lvl="2" marL="648000" indent="-216000">
+              <a:lnSpc>
+                <a:spcPct val="100000"/>
+              </a:lnSpc>
+              <a:spcAft>
+                <a:spcPts val="1140"/>
+              </a:spcAft>
+              <a:buClr>
+                <a:srgbClr val="000000"/>
+              </a:buClr>
+              <a:buSzPct val="45000"/>
+              <a:buFont typeface="Wingdings" charset="2"/>
+              <a:buChar char=""/>
+            </a:pPr>
+            <a:r>
+              <a:rPr b="0" lang="en-US" sz="1800" spc="-1" strike="noStrike">
+                <a:solidFill>
+                  <a:srgbClr val="000000"/>
+                </a:solidFill>
+                <a:latin typeface="Arial"/>
+                <a:ea typeface="Noto Sans CJK SC"/>
+              </a:rPr>
+              <a:t>Simpsons Fake (GANs based)</a:t>
+            </a:r>
+            <a:endParaRPr b="0" lang="en-US" sz="1800" spc="-1" strike="noStrike">
+              <a:latin typeface="Arial"/>
+            </a:endParaRPr>
+          </a:p>
+          <a:p>
+            <a:pPr>
+              <a:lnSpc>
+                <a:spcPct val="100000"/>
+              </a:lnSpc>
+              <a:buNone/>
+            </a:pPr>
+            <a:endParaRPr b="0" lang="en-US" sz="1800" spc="-1" strike="noStrike">
+              <a:latin typeface="Arial"/>
+            </a:endParaRPr>
+          </a:p>
+          <a:p>
+            <a:pPr>
+              <a:lnSpc>
+                <a:spcPct val="100000"/>
+              </a:lnSpc>
+              <a:buNone/>
+            </a:pPr>
+            <a:endParaRPr b="0" lang="en-US" sz="1800" spc="-1" strike="noStrike">
+              <a:latin typeface="Arial"/>
+            </a:endParaRPr>
+          </a:p>
+          <a:p>
+            <a:pPr>
+              <a:lnSpc>
+                <a:spcPct val="100000"/>
+              </a:lnSpc>
+              <a:spcAft>
+                <a:spcPts val="1140"/>
+              </a:spcAft>
+              <a:buNone/>
+            </a:pPr>
+            <a:endParaRPr b="0" lang="en-US" sz="1800" spc="-1" strike="noStrike">
+              <a:latin typeface="Arial"/>
+            </a:endParaRPr>
+          </a:p>
+          <a:p>
+            <a:pPr>
+              <a:lnSpc>
+                <a:spcPct val="100000"/>
+              </a:lnSpc>
+              <a:spcAft>
+                <a:spcPts val="1140"/>
+              </a:spcAft>
+              <a:buNone/>
+            </a:pPr>
+            <a:endParaRPr b="0" lang="en-US" sz="1800" spc="-1" strike="noStrike">
+              <a:latin typeface="Arial"/>
+            </a:endParaRPr>
+          </a:p>
+          <a:p>
+            <a:pPr>
+              <a:lnSpc>
+                <a:spcPct val="100000"/>
+              </a:lnSpc>
+              <a:spcAft>
+                <a:spcPts val="1140"/>
+              </a:spcAft>
+              <a:buNone/>
+            </a:pPr>
+            <a:endParaRPr b="0" lang="en-US" sz="1800" spc="-1" strike="noStrike">
+              <a:latin typeface="Arial"/>
+            </a:endParaRPr>
+          </a:p>
+        </p:txBody>
+      </p:sp>
     </p:spTree>
   </p:cSld>
   <mc:AlternateContent>
@@ -7340,7 +8073,7 @@
         <p:spPr>
           <a:xfrm>
             <a:off x="360000" y="360000"/>
-            <a:ext cx="9354600" cy="894600"/>
+            <a:ext cx="9354240" cy="894240"/>
           </a:xfrm>
           <a:prstGeom prst="rect">
             <a:avLst/>
@@ -7392,7 +8125,7 @@
         <p:spPr>
           <a:xfrm>
             <a:off x="897120" y="6886080"/>
-            <a:ext cx="6441840" cy="359640"/>
+            <a:ext cx="6441480" cy="359280"/>
           </a:xfrm>
           <a:prstGeom prst="rect">
             <a:avLst/>
@@ -7444,7 +8177,7 @@
         <p:spPr>
           <a:xfrm>
             <a:off x="7608600" y="6886080"/>
-            <a:ext cx="2279880" cy="359640"/>
+            <a:ext cx="2279520" cy="359280"/>
           </a:xfrm>
           <a:prstGeom prst="rect">
             <a:avLst/>
@@ -7528,7 +8261,7 @@
         <p:spPr>
           <a:xfrm>
             <a:off x="360000" y="1980000"/>
-            <a:ext cx="9174600" cy="4674600"/>
+            <a:ext cx="9174240" cy="4674240"/>
           </a:xfrm>
           <a:prstGeom prst="rect">
             <a:avLst/>
@@ -7578,21 +8311,7 @@
             </a:endParaRPr>
           </a:p>
           <a:p>
-            <a:pPr>
-              <a:lnSpc>
-                <a:spcPct val="100000"/>
-              </a:lnSpc>
-              <a:spcAft>
-                <a:spcPts val="1140"/>
-              </a:spcAft>
-              <a:buNone/>
-            </a:pPr>
-            <a:endParaRPr b="0" lang="en-US" sz="2000" spc="-1" strike="noStrike">
-              <a:latin typeface="Arial"/>
-            </a:endParaRPr>
-          </a:p>
-          <a:p>
-            <a:pPr marL="216000" indent="-212400">
+            <a:pPr lvl="1" marL="432000" indent="-216000">
               <a:lnSpc>
                 <a:spcPct val="100000"/>
               </a:lnSpc>
@@ -7614,7 +8333,7 @@
                 <a:latin typeface="Calibri"/>
                 <a:ea typeface="DejaVu Sans"/>
               </a:rPr>
-              <a:t>Generative Adversarial Networks</a:t>
+              <a:t>Object Segmentation (Bounding Box Level)</a:t>
             </a:r>
             <a:endParaRPr b="0" lang="en-US" sz="2000" spc="-1" strike="noStrike">
               <a:latin typeface="Arial"/>
@@ -7643,14 +8362,28 @@
                 <a:latin typeface="Calibri"/>
                 <a:ea typeface="DejaVu Sans"/>
               </a:rPr>
-              <a:t>DCGAN</a:t>
+              <a:t>Instance / Semantic Segmentation (Pixel Level)</a:t>
             </a:r>
             <a:endParaRPr b="0" lang="en-US" sz="2000" spc="-1" strike="noStrike">
               <a:latin typeface="Arial"/>
             </a:endParaRPr>
           </a:p>
           <a:p>
-            <a:pPr lvl="1" marL="432000" indent="-216000">
+            <a:pPr>
+              <a:lnSpc>
+                <a:spcPct val="100000"/>
+              </a:lnSpc>
+              <a:spcAft>
+                <a:spcPts val="1140"/>
+              </a:spcAft>
+              <a:buNone/>
+            </a:pPr>
+            <a:endParaRPr b="0" lang="en-US" sz="2000" spc="-1" strike="noStrike">
+              <a:latin typeface="Arial"/>
+            </a:endParaRPr>
+          </a:p>
+          <a:p>
+            <a:pPr marL="216000" indent="-212400">
               <a:lnSpc>
                 <a:spcPct val="100000"/>
               </a:lnSpc>
@@ -7672,7 +8405,7 @@
                 <a:latin typeface="Calibri"/>
                 <a:ea typeface="DejaVu Sans"/>
               </a:rPr>
-              <a:t>PIX2PIX</a:t>
+              <a:t>Generative Adversarial Networks</a:t>
             </a:r>
             <a:endParaRPr b="0" lang="en-US" sz="2000" spc="-1" strike="noStrike">
               <a:latin typeface="Arial"/>
@@ -7701,7 +8434,36 @@
                 <a:latin typeface="Calibri"/>
                 <a:ea typeface="DejaVu Sans"/>
               </a:rPr>
-              <a:t>CycleGAN</a:t>
+              <a:t>DCGAN</a:t>
+            </a:r>
+            <a:endParaRPr b="0" lang="en-US" sz="2000" spc="-1" strike="noStrike">
+              <a:latin typeface="Arial"/>
+            </a:endParaRPr>
+          </a:p>
+          <a:p>
+            <a:pPr lvl="1" marL="432000" indent="-216000">
+              <a:lnSpc>
+                <a:spcPct val="100000"/>
+              </a:lnSpc>
+              <a:spcAft>
+                <a:spcPts val="1140"/>
+              </a:spcAft>
+              <a:buClr>
+                <a:srgbClr val="000000"/>
+              </a:buClr>
+              <a:buSzPct val="45000"/>
+              <a:buFont typeface="Wingdings" charset="2"/>
+              <a:buChar char=""/>
+            </a:pPr>
+            <a:r>
+              <a:rPr b="0" lang="en-US" sz="2000" spc="-1" strike="noStrike">
+                <a:solidFill>
+                  <a:srgbClr val="1c1c1c"/>
+                </a:solidFill>
+                <a:latin typeface="Calibri"/>
+                <a:ea typeface="DejaVu Sans"/>
+              </a:rPr>
+              <a:t>PIX2PIX</a:t>
             </a:r>
             <a:endParaRPr b="0" lang="en-US" sz="2000" spc="-1" strike="noStrike">
               <a:latin typeface="Arial"/>
@@ -7791,7 +8553,7 @@
         <p:spPr>
           <a:xfrm>
             <a:off x="360000" y="360000"/>
-            <a:ext cx="9354600" cy="894600"/>
+            <a:ext cx="9354240" cy="894240"/>
           </a:xfrm>
           <a:prstGeom prst="rect">
             <a:avLst/>
@@ -7826,377 +8588,7 @@
                 <a:latin typeface="Latin Modern Sans"/>
                 <a:ea typeface="DejaVu Sans"/>
               </a:rPr>
-              <a:t>G</a:t>
-            </a:r>
-            <a:r>
-              <a:rPr b="1" lang="en-US" sz="3200" spc="-1" strike="noStrike">
-                <a:solidFill>
-                  <a:srgbClr val="ffffff"/>
-                </a:solidFill>
-                <a:latin typeface="Latin Modern Sans"/>
-                <a:ea typeface="DejaVu Sans"/>
-              </a:rPr>
-              <a:t>e</a:t>
-            </a:r>
-            <a:r>
-              <a:rPr b="1" lang="en-US" sz="3200" spc="-1" strike="noStrike">
-                <a:solidFill>
-                  <a:srgbClr val="ffffff"/>
-                </a:solidFill>
-                <a:latin typeface="Latin Modern Sans"/>
-                <a:ea typeface="DejaVu Sans"/>
-              </a:rPr>
-              <a:t>n</a:t>
-            </a:r>
-            <a:r>
-              <a:rPr b="1" lang="en-US" sz="3200" spc="-1" strike="noStrike">
-                <a:solidFill>
-                  <a:srgbClr val="ffffff"/>
-                </a:solidFill>
-                <a:latin typeface="Latin Modern Sans"/>
-                <a:ea typeface="DejaVu Sans"/>
-              </a:rPr>
-              <a:t>e</a:t>
-            </a:r>
-            <a:r>
-              <a:rPr b="1" lang="en-US" sz="3200" spc="-1" strike="noStrike">
-                <a:solidFill>
-                  <a:srgbClr val="ffffff"/>
-                </a:solidFill>
-                <a:latin typeface="Latin Modern Sans"/>
-                <a:ea typeface="DejaVu Sans"/>
-              </a:rPr>
-              <a:t>r</a:t>
-            </a:r>
-            <a:r>
-              <a:rPr b="1" lang="en-US" sz="3200" spc="-1" strike="noStrike">
-                <a:solidFill>
-                  <a:srgbClr val="ffffff"/>
-                </a:solidFill>
-                <a:latin typeface="Latin Modern Sans"/>
-                <a:ea typeface="DejaVu Sans"/>
-              </a:rPr>
-              <a:t>a</a:t>
-            </a:r>
-            <a:r>
-              <a:rPr b="1" lang="en-US" sz="3200" spc="-1" strike="noStrike">
-                <a:solidFill>
-                  <a:srgbClr val="ffffff"/>
-                </a:solidFill>
-                <a:latin typeface="Latin Modern Sans"/>
-                <a:ea typeface="DejaVu Sans"/>
-              </a:rPr>
-              <a:t>t</a:t>
-            </a:r>
-            <a:r>
-              <a:rPr b="1" lang="en-US" sz="3200" spc="-1" strike="noStrike">
-                <a:solidFill>
-                  <a:srgbClr val="ffffff"/>
-                </a:solidFill>
-                <a:latin typeface="Latin Modern Sans"/>
-                <a:ea typeface="DejaVu Sans"/>
-              </a:rPr>
-              <a:t>i</a:t>
-            </a:r>
-            <a:r>
-              <a:rPr b="1" lang="en-US" sz="3200" spc="-1" strike="noStrike">
-                <a:solidFill>
-                  <a:srgbClr val="ffffff"/>
-                </a:solidFill>
-                <a:latin typeface="Latin Modern Sans"/>
-                <a:ea typeface="DejaVu Sans"/>
-              </a:rPr>
-              <a:t>v</a:t>
-            </a:r>
-            <a:r>
-              <a:rPr b="1" lang="en-US" sz="3200" spc="-1" strike="noStrike">
-                <a:solidFill>
-                  <a:srgbClr val="ffffff"/>
-                </a:solidFill>
-                <a:latin typeface="Latin Modern Sans"/>
-                <a:ea typeface="DejaVu Sans"/>
-              </a:rPr>
-              <a:t>e</a:t>
-            </a:r>
-            <a:r>
-              <a:rPr b="1" lang="en-US" sz="3200" spc="-1" strike="noStrike">
-                <a:solidFill>
-                  <a:srgbClr val="ffffff"/>
-                </a:solidFill>
-                <a:latin typeface="Latin Modern Sans"/>
-                <a:ea typeface="DejaVu Sans"/>
-              </a:rPr>
-              <a:t> </a:t>
-            </a:r>
-            <a:r>
-              <a:rPr b="1" lang="en-US" sz="3200" spc="-1" strike="noStrike">
-                <a:solidFill>
-                  <a:srgbClr val="ffffff"/>
-                </a:solidFill>
-                <a:latin typeface="Latin Modern Sans"/>
-                <a:ea typeface="DejaVu Sans"/>
-              </a:rPr>
-              <a:t>A</a:t>
-            </a:r>
-            <a:r>
-              <a:rPr b="1" lang="en-US" sz="3200" spc="-1" strike="noStrike">
-                <a:solidFill>
-                  <a:srgbClr val="ffffff"/>
-                </a:solidFill>
-                <a:latin typeface="Latin Modern Sans"/>
-                <a:ea typeface="DejaVu Sans"/>
-              </a:rPr>
-              <a:t>d</a:t>
-            </a:r>
-            <a:r>
-              <a:rPr b="1" lang="en-US" sz="3200" spc="-1" strike="noStrike">
-                <a:solidFill>
-                  <a:srgbClr val="ffffff"/>
-                </a:solidFill>
-                <a:latin typeface="Latin Modern Sans"/>
-                <a:ea typeface="DejaVu Sans"/>
-              </a:rPr>
-              <a:t>v</a:t>
-            </a:r>
-            <a:r>
-              <a:rPr b="1" lang="en-US" sz="3200" spc="-1" strike="noStrike">
-                <a:solidFill>
-                  <a:srgbClr val="ffffff"/>
-                </a:solidFill>
-                <a:latin typeface="Latin Modern Sans"/>
-                <a:ea typeface="DejaVu Sans"/>
-              </a:rPr>
-              <a:t>e</a:t>
-            </a:r>
-            <a:r>
-              <a:rPr b="1" lang="en-US" sz="3200" spc="-1" strike="noStrike">
-                <a:solidFill>
-                  <a:srgbClr val="ffffff"/>
-                </a:solidFill>
-                <a:latin typeface="Latin Modern Sans"/>
-                <a:ea typeface="DejaVu Sans"/>
-              </a:rPr>
-              <a:t>r</a:t>
-            </a:r>
-            <a:r>
-              <a:rPr b="1" lang="en-US" sz="3200" spc="-1" strike="noStrike">
-                <a:solidFill>
-                  <a:srgbClr val="ffffff"/>
-                </a:solidFill>
-                <a:latin typeface="Latin Modern Sans"/>
-                <a:ea typeface="DejaVu Sans"/>
-              </a:rPr>
-              <a:t>s</a:t>
-            </a:r>
-            <a:r>
-              <a:rPr b="1" lang="en-US" sz="3200" spc="-1" strike="noStrike">
-                <a:solidFill>
-                  <a:srgbClr val="ffffff"/>
-                </a:solidFill>
-                <a:latin typeface="Latin Modern Sans"/>
-                <a:ea typeface="DejaVu Sans"/>
-              </a:rPr>
-              <a:t>a</a:t>
-            </a:r>
-            <a:r>
-              <a:rPr b="1" lang="en-US" sz="3200" spc="-1" strike="noStrike">
-                <a:solidFill>
-                  <a:srgbClr val="ffffff"/>
-                </a:solidFill>
-                <a:latin typeface="Latin Modern Sans"/>
-                <a:ea typeface="DejaVu Sans"/>
-              </a:rPr>
-              <a:t>r</a:t>
-            </a:r>
-            <a:r>
-              <a:rPr b="1" lang="en-US" sz="3200" spc="-1" strike="noStrike">
-                <a:solidFill>
-                  <a:srgbClr val="ffffff"/>
-                </a:solidFill>
-                <a:latin typeface="Latin Modern Sans"/>
-                <a:ea typeface="DejaVu Sans"/>
-              </a:rPr>
-              <a:t>i</a:t>
-            </a:r>
-            <a:r>
-              <a:rPr b="1" lang="en-US" sz="3200" spc="-1" strike="noStrike">
-                <a:solidFill>
-                  <a:srgbClr val="ffffff"/>
-                </a:solidFill>
-                <a:latin typeface="Latin Modern Sans"/>
-                <a:ea typeface="DejaVu Sans"/>
-              </a:rPr>
-              <a:t>a</a:t>
-            </a:r>
-            <a:r>
-              <a:rPr b="1" lang="en-US" sz="3200" spc="-1" strike="noStrike">
-                <a:solidFill>
-                  <a:srgbClr val="ffffff"/>
-                </a:solidFill>
-                <a:latin typeface="Latin Modern Sans"/>
-                <a:ea typeface="DejaVu Sans"/>
-              </a:rPr>
-              <a:t>l </a:t>
-            </a:r>
-            <a:r>
-              <a:rPr b="1" lang="en-US" sz="3200" spc="-1" strike="noStrike">
-                <a:solidFill>
-                  <a:srgbClr val="ffffff"/>
-                </a:solidFill>
-                <a:latin typeface="Latin Modern Sans"/>
-                <a:ea typeface="DejaVu Sans"/>
-              </a:rPr>
-              <a:t>N</a:t>
-            </a:r>
-            <a:r>
-              <a:rPr b="1" lang="en-US" sz="3200" spc="-1" strike="noStrike">
-                <a:solidFill>
-                  <a:srgbClr val="ffffff"/>
-                </a:solidFill>
-                <a:latin typeface="Latin Modern Sans"/>
-                <a:ea typeface="DejaVu Sans"/>
-              </a:rPr>
-              <a:t>e</a:t>
-            </a:r>
-            <a:r>
-              <a:rPr b="1" lang="en-US" sz="3200" spc="-1" strike="noStrike">
-                <a:solidFill>
-                  <a:srgbClr val="ffffff"/>
-                </a:solidFill>
-                <a:latin typeface="Latin Modern Sans"/>
-                <a:ea typeface="DejaVu Sans"/>
-              </a:rPr>
-              <a:t>t</a:t>
-            </a:r>
-            <a:r>
-              <a:rPr b="1" lang="en-US" sz="3200" spc="-1" strike="noStrike">
-                <a:solidFill>
-                  <a:srgbClr val="ffffff"/>
-                </a:solidFill>
-                <a:latin typeface="Latin Modern Sans"/>
-                <a:ea typeface="DejaVu Sans"/>
-              </a:rPr>
-              <a:t>w</a:t>
-            </a:r>
-            <a:r>
-              <a:rPr b="1" lang="en-US" sz="3200" spc="-1" strike="noStrike">
-                <a:solidFill>
-                  <a:srgbClr val="ffffff"/>
-                </a:solidFill>
-                <a:latin typeface="Latin Modern Sans"/>
-                <a:ea typeface="DejaVu Sans"/>
-              </a:rPr>
-              <a:t>o</a:t>
-            </a:r>
-            <a:r>
-              <a:rPr b="1" lang="en-US" sz="3200" spc="-1" strike="noStrike">
-                <a:solidFill>
-                  <a:srgbClr val="ffffff"/>
-                </a:solidFill>
-                <a:latin typeface="Latin Modern Sans"/>
-                <a:ea typeface="DejaVu Sans"/>
-              </a:rPr>
-              <a:t>r</a:t>
-            </a:r>
-            <a:r>
-              <a:rPr b="1" lang="en-US" sz="3200" spc="-1" strike="noStrike">
-                <a:solidFill>
-                  <a:srgbClr val="ffffff"/>
-                </a:solidFill>
-                <a:latin typeface="Latin Modern Sans"/>
-                <a:ea typeface="DejaVu Sans"/>
-              </a:rPr>
-              <a:t>k</a:t>
-            </a:r>
-            <a:r>
-              <a:rPr b="1" lang="en-US" sz="3200" spc="-1" strike="noStrike">
-                <a:solidFill>
-                  <a:srgbClr val="ffffff"/>
-                </a:solidFill>
-                <a:latin typeface="Latin Modern Sans"/>
-                <a:ea typeface="DejaVu Sans"/>
-              </a:rPr>
-              <a:t>s</a:t>
-            </a:r>
-            <a:r>
-              <a:rPr b="1" lang="en-US" sz="3200" spc="-1" strike="noStrike">
-                <a:solidFill>
-                  <a:srgbClr val="ffffff"/>
-                </a:solidFill>
-                <a:latin typeface="Latin Modern Sans"/>
-                <a:ea typeface="DejaVu Sans"/>
-              </a:rPr>
-              <a:t> </a:t>
-            </a:r>
-            <a:r>
-              <a:rPr b="1" lang="en-US" sz="3200" spc="-1" strike="noStrike">
-                <a:solidFill>
-                  <a:srgbClr val="ffffff"/>
-                </a:solidFill>
-                <a:latin typeface="Latin Modern Sans"/>
-                <a:ea typeface="DejaVu Sans"/>
-              </a:rPr>
-              <a:t>(</a:t>
-            </a:r>
-            <a:r>
-              <a:rPr b="1" lang="en-US" sz="3200" spc="-1" strike="noStrike">
-                <a:solidFill>
-                  <a:srgbClr val="ffffff"/>
-                </a:solidFill>
-                <a:latin typeface="Latin Modern Sans"/>
-                <a:ea typeface="DejaVu Sans"/>
-              </a:rPr>
-              <a:t>G</a:t>
-            </a:r>
-            <a:r>
-              <a:rPr b="1" lang="en-US" sz="3200" spc="-1" strike="noStrike">
-                <a:solidFill>
-                  <a:srgbClr val="ffffff"/>
-                </a:solidFill>
-                <a:latin typeface="Latin Modern Sans"/>
-                <a:ea typeface="DejaVu Sans"/>
-              </a:rPr>
-              <a:t>A</a:t>
-            </a:r>
-            <a:r>
-              <a:rPr b="1" lang="en-US" sz="3200" spc="-1" strike="noStrike">
-                <a:solidFill>
-                  <a:srgbClr val="ffffff"/>
-                </a:solidFill>
-                <a:latin typeface="Latin Modern Sans"/>
-                <a:ea typeface="DejaVu Sans"/>
-              </a:rPr>
-              <a:t>N</a:t>
-            </a:r>
-            <a:r>
-              <a:rPr b="1" lang="en-US" sz="3200" spc="-1" strike="noStrike">
-                <a:solidFill>
-                  <a:srgbClr val="ffffff"/>
-                </a:solidFill>
-                <a:latin typeface="Latin Modern Sans"/>
-                <a:ea typeface="DejaVu Sans"/>
-              </a:rPr>
-              <a:t>’</a:t>
-            </a:r>
-            <a:r>
-              <a:rPr b="1" lang="en-US" sz="3200" spc="-1" strike="noStrike">
-                <a:solidFill>
-                  <a:srgbClr val="ffffff"/>
-                </a:solidFill>
-                <a:latin typeface="Latin Modern Sans"/>
-                <a:ea typeface="DejaVu Sans"/>
-              </a:rPr>
-              <a:t>s</a:t>
-            </a:r>
-            <a:r>
-              <a:rPr b="1" lang="en-US" sz="3200" spc="-1" strike="noStrike">
-                <a:solidFill>
-                  <a:srgbClr val="ffffff"/>
-                </a:solidFill>
-                <a:latin typeface="Latin Modern Sans"/>
-                <a:ea typeface="DejaVu Sans"/>
-              </a:rPr>
-              <a:t>)</a:t>
+              <a:t>Generative Adversarial Networks (GAN’s)</a:t>
             </a:r>
             <a:endParaRPr b="0" lang="en-US" sz="3200" spc="-1" strike="noStrike">
               <a:latin typeface="Arial"/>
@@ -8213,7 +8605,7 @@
         <p:spPr>
           <a:xfrm>
             <a:off x="897120" y="6886080"/>
-            <a:ext cx="6441840" cy="359640"/>
+            <a:ext cx="6441480" cy="359280"/>
           </a:xfrm>
           <a:prstGeom prst="rect">
             <a:avLst/>
@@ -8265,7 +8657,7 @@
         <p:spPr>
           <a:xfrm>
             <a:off x="7608600" y="6886080"/>
-            <a:ext cx="2279880" cy="359640"/>
+            <a:ext cx="2279520" cy="359280"/>
           </a:xfrm>
           <a:prstGeom prst="rect">
             <a:avLst/>
@@ -8349,7 +8741,7 @@
         <p:spPr>
           <a:xfrm>
             <a:off x="360000" y="1692000"/>
-            <a:ext cx="9174600" cy="4674600"/>
+            <a:ext cx="9174240" cy="4674240"/>
           </a:xfrm>
           <a:prstGeom prst="rect">
             <a:avLst/>
@@ -8371,6 +8763,9 @@
           </a:bodyPr>
           <a:p>
             <a:pPr marL="216000" indent="-212400">
+              <a:lnSpc>
+                <a:spcPct val="100000"/>
+              </a:lnSpc>
               <a:spcAft>
                 <a:spcPts val="1140"/>
               </a:spcAft>
@@ -8383,7 +8778,11 @@
             </a:pPr>
             <a:r>
               <a:rPr b="0" lang="en-US" sz="1800" spc="-1" strike="noStrike">
+                <a:solidFill>
+                  <a:srgbClr val="000000"/>
+                </a:solidFill>
                 <a:latin typeface="Arial"/>
+                <a:ea typeface="DejaVu Sans"/>
               </a:rPr>
               <a:t>Generator: Noise → Data</a:t>
             </a:r>
@@ -8408,7 +8807,11 @@
             </a:pPr>
             <a:r>
               <a:rPr b="0" lang="en-US" sz="1800" spc="-1" strike="noStrike">
+                <a:solidFill>
+                  <a:srgbClr val="000000"/>
+                </a:solidFill>
                 <a:latin typeface="Arial"/>
+                <a:ea typeface="DejaVu Sans"/>
               </a:rPr>
               <a:t>Discriminator: Classification</a:t>
             </a:r>
@@ -8431,7 +8834,7 @@
         <p:spPr>
           <a:xfrm>
             <a:off x="360000" y="2971800"/>
-            <a:ext cx="7543800" cy="3562560"/>
+            <a:ext cx="7543440" cy="3562200"/>
           </a:xfrm>
           <a:prstGeom prst="rect">
             <a:avLst/>
@@ -8454,7 +8857,7 @@
         <p:spPr>
           <a:xfrm>
             <a:off x="6071040" y="1720800"/>
-            <a:ext cx="2844360" cy="1828800"/>
+            <a:ext cx="2844000" cy="1828440"/>
           </a:xfrm>
           <a:prstGeom prst="rect">
             <a:avLst/>
@@ -8503,7 +8906,7 @@
         <p:spPr>
           <a:xfrm>
             <a:off x="360000" y="360000"/>
-            <a:ext cx="9354600" cy="894600"/>
+            <a:ext cx="9354240" cy="894240"/>
           </a:xfrm>
           <a:prstGeom prst="rect">
             <a:avLst/>
@@ -8555,7 +8958,7 @@
         <p:spPr>
           <a:xfrm>
             <a:off x="897120" y="6886080"/>
-            <a:ext cx="6441840" cy="359640"/>
+            <a:ext cx="6441480" cy="359280"/>
           </a:xfrm>
           <a:prstGeom prst="rect">
             <a:avLst/>
@@ -8607,7 +9010,7 @@
         <p:spPr>
           <a:xfrm>
             <a:off x="7608600" y="6886080"/>
-            <a:ext cx="2279880" cy="359640"/>
+            <a:ext cx="2279520" cy="359280"/>
           </a:xfrm>
           <a:prstGeom prst="rect">
             <a:avLst/>
@@ -8691,7 +9094,7 @@
         <p:spPr>
           <a:xfrm>
             <a:off x="315000" y="1737360"/>
-            <a:ext cx="9174600" cy="4674600"/>
+            <a:ext cx="9174240" cy="4674240"/>
           </a:xfrm>
           <a:prstGeom prst="rect">
             <a:avLst/>
@@ -8713,6 +9116,9 @@
           </a:bodyPr>
           <a:p>
             <a:pPr marL="216000" indent="-212400">
+              <a:lnSpc>
+                <a:spcPct val="100000"/>
+              </a:lnSpc>
               <a:spcAft>
                 <a:spcPts val="1140"/>
               </a:spcAft>
@@ -8725,7 +9131,11 @@
             </a:pPr>
             <a:r>
               <a:rPr b="0" lang="en-US" sz="1800" spc="-1" strike="noStrike">
+                <a:solidFill>
+                  <a:srgbClr val="000000"/>
+                </a:solidFill>
                 <a:latin typeface="Arial"/>
+                <a:ea typeface="DejaVu Sans"/>
               </a:rPr>
               <a:t>Learns data distribution</a:t>
             </a:r>
@@ -8734,19 +9144,14 @@
             </a:endParaRPr>
           </a:p>
           <a:p>
-            <a:pPr marL="216000" indent="-212400">
+            <a:pPr>
               <a:lnSpc>
                 <a:spcPct val="100000"/>
               </a:lnSpc>
               <a:spcAft>
                 <a:spcPts val="1140"/>
               </a:spcAft>
-              <a:buClr>
-                <a:srgbClr val="000000"/>
-              </a:buClr>
-              <a:buSzPct val="45000"/>
-              <a:buFont typeface="Wingdings" charset="2"/>
-              <a:buChar char=""/>
+              <a:buNone/>
             </a:pPr>
             <a:endParaRPr b="0" lang="en-US" sz="1800" spc="-1" strike="noStrike">
               <a:latin typeface="Arial"/>
@@ -8767,7 +9172,7 @@
         <p:spPr>
           <a:xfrm>
             <a:off x="2286000" y="4029480"/>
-            <a:ext cx="6400800" cy="2382480"/>
+            <a:ext cx="6400440" cy="2382120"/>
           </a:xfrm>
           <a:prstGeom prst="rect">
             <a:avLst/>
@@ -8790,7 +9195,7 @@
         <p:spPr>
           <a:xfrm>
             <a:off x="5715000" y="1574280"/>
-            <a:ext cx="3926520" cy="1854720"/>
+            <a:ext cx="3926160" cy="1854360"/>
           </a:xfrm>
           <a:prstGeom prst="rect">
             <a:avLst/>
@@ -8809,7 +9214,7 @@
         <p:spPr>
           <a:xfrm>
             <a:off x="5715000" y="2286000"/>
-            <a:ext cx="2057400" cy="1143000"/>
+            <a:ext cx="2057040" cy="1142640"/>
           </a:xfrm>
           <a:prstGeom prst="rect">
             <a:avLst/>
@@ -8871,7 +9276,7 @@
         <p:spPr>
           <a:xfrm>
             <a:off x="360000" y="360000"/>
-            <a:ext cx="9354600" cy="894600"/>
+            <a:ext cx="9354240" cy="894240"/>
           </a:xfrm>
           <a:prstGeom prst="rect">
             <a:avLst/>
@@ -8923,7 +9328,7 @@
         <p:spPr>
           <a:xfrm>
             <a:off x="897120" y="6886080"/>
-            <a:ext cx="6441840" cy="359640"/>
+            <a:ext cx="6441480" cy="359280"/>
           </a:xfrm>
           <a:prstGeom prst="rect">
             <a:avLst/>
@@ -8975,7 +9380,7 @@
         <p:spPr>
           <a:xfrm>
             <a:off x="7608600" y="6886080"/>
-            <a:ext cx="2279880" cy="359640"/>
+            <a:ext cx="2279520" cy="359280"/>
           </a:xfrm>
           <a:prstGeom prst="rect">
             <a:avLst/>
@@ -9059,7 +9464,7 @@
         <p:spPr>
           <a:xfrm>
             <a:off x="360000" y="1980000"/>
-            <a:ext cx="9174600" cy="4674600"/>
+            <a:ext cx="9174240" cy="4674240"/>
           </a:xfrm>
           <a:prstGeom prst="rect">
             <a:avLst/>
@@ -9080,35 +9485,28 @@
             <a:normAutofit/>
           </a:bodyPr>
           <a:p>
-            <a:pPr marL="216000" indent="-212400">
+            <a:pPr>
+              <a:lnSpc>
+                <a:spcPct val="100000"/>
+              </a:lnSpc>
               <a:spcAft>
                 <a:spcPts val="1140"/>
               </a:spcAft>
-              <a:buClr>
-                <a:srgbClr val="000000"/>
-              </a:buClr>
-              <a:buSzPct val="45000"/>
-              <a:buFont typeface="Wingdings" charset="2"/>
-              <a:buChar char=""/>
+              <a:buNone/>
             </a:pPr>
             <a:endParaRPr b="0" lang="en-US" sz="1800" spc="-1" strike="noStrike">
               <a:latin typeface="Arial"/>
             </a:endParaRPr>
           </a:p>
           <a:p>
-            <a:pPr marL="216000" indent="-212400">
+            <a:pPr>
               <a:lnSpc>
                 <a:spcPct val="100000"/>
               </a:lnSpc>
               <a:spcAft>
                 <a:spcPts val="1140"/>
               </a:spcAft>
-              <a:buClr>
-                <a:srgbClr val="000000"/>
-              </a:buClr>
-              <a:buSzPct val="45000"/>
-              <a:buFont typeface="Wingdings" charset="2"/>
-              <a:buChar char=""/>
+              <a:buNone/>
             </a:pPr>
             <a:endParaRPr b="0" lang="en-US" sz="1800" spc="-1" strike="noStrike">
               <a:latin typeface="Arial"/>
@@ -9129,7 +9527,7 @@
         <p:spPr>
           <a:xfrm>
             <a:off x="5715000" y="1574280"/>
-            <a:ext cx="3926520" cy="1854720"/>
+            <a:ext cx="3926160" cy="1854360"/>
           </a:xfrm>
           <a:prstGeom prst="rect">
             <a:avLst/>
@@ -9142,31 +9540,41 @@
       <p:sp>
         <p:nvSpPr>
           <p:cNvPr id="111" name=""/>
-          <p:cNvSpPr txBox="1"/>
+          <p:cNvSpPr/>
           <p:nvPr/>
         </p:nvSpPr>
         <p:spPr>
           <a:xfrm>
             <a:off x="457200" y="1828800"/>
-            <a:ext cx="1978200" cy="1600200"/>
+            <a:ext cx="1977840" cy="1599840"/>
           </a:xfrm>
           <a:prstGeom prst="rect">
             <a:avLst/>
           </a:prstGeom>
           <a:blipFill rotWithShape="0">
             <a:blip r:embed="rId2"/>
+            <a:srcRect/>
             <a:stretch/>
           </a:blipFill>
           <a:ln w="0">
             <a:noFill/>
           </a:ln>
         </p:spPr>
+        <p:style>
+          <a:lnRef idx="0"/>
+          <a:fillRef idx="0"/>
+          <a:effectRef idx="0"/>
+          <a:fontRef idx="minor"/>
+        </p:style>
         <p:txBody>
           <a:bodyPr lIns="90000" rIns="90000" tIns="45000" bIns="45000" anchor="ctr" anchorCtr="1">
             <a:noAutofit/>
           </a:bodyPr>
           <a:p>
             <a:pPr algn="ctr">
+              <a:lnSpc>
+                <a:spcPct val="100000"/>
+              </a:lnSpc>
               <a:buNone/>
             </a:pPr>
             <a:r>
@@ -9184,31 +9592,41 @@
       <p:sp>
         <p:nvSpPr>
           <p:cNvPr id="112" name=""/>
-          <p:cNvSpPr txBox="1"/>
+          <p:cNvSpPr/>
           <p:nvPr/>
         </p:nvSpPr>
         <p:spPr>
           <a:xfrm>
             <a:off x="2816640" y="1828800"/>
-            <a:ext cx="1983960" cy="1600200"/>
+            <a:ext cx="1983600" cy="1599840"/>
           </a:xfrm>
           <a:prstGeom prst="rect">
             <a:avLst/>
           </a:prstGeom>
           <a:blipFill rotWithShape="0">
             <a:blip r:embed="rId3"/>
+            <a:srcRect/>
             <a:stretch/>
           </a:blipFill>
           <a:ln w="0">
             <a:noFill/>
           </a:ln>
         </p:spPr>
+        <p:style>
+          <a:lnRef idx="0"/>
+          <a:fillRef idx="0"/>
+          <a:effectRef idx="0"/>
+          <a:fontRef idx="minor"/>
+        </p:style>
         <p:txBody>
           <a:bodyPr lIns="90000" rIns="90000" tIns="45000" bIns="45000" anchor="ctr" anchorCtr="1">
             <a:noAutofit/>
           </a:bodyPr>
           <a:p>
             <a:pPr algn="ctr">
+              <a:lnSpc>
+                <a:spcPct val="100000"/>
+              </a:lnSpc>
               <a:buNone/>
             </a:pPr>
             <a:r>
@@ -9236,7 +9654,7 @@
         <p:spPr>
           <a:xfrm>
             <a:off x="577800" y="4307400"/>
-            <a:ext cx="1948320" cy="1600200"/>
+            <a:ext cx="1947960" cy="1599840"/>
           </a:xfrm>
           <a:prstGeom prst="rect">
             <a:avLst/>
@@ -9259,7 +9677,7 @@
         <p:spPr>
           <a:xfrm>
             <a:off x="2971800" y="4280400"/>
-            <a:ext cx="2057400" cy="1671840"/>
+            <a:ext cx="2057040" cy="1671480"/>
           </a:xfrm>
           <a:prstGeom prst="rect">
             <a:avLst/>
@@ -9282,7 +9700,7 @@
         <p:spPr>
           <a:xfrm>
             <a:off x="5414400" y="4273200"/>
-            <a:ext cx="2057400" cy="1670400"/>
+            <a:ext cx="2057040" cy="1670040"/>
           </a:xfrm>
           <a:prstGeom prst="rect">
             <a:avLst/>
@@ -9305,7 +9723,7 @@
         <p:spPr>
           <a:xfrm>
             <a:off x="7837920" y="4343400"/>
-            <a:ext cx="1991880" cy="1629720"/>
+            <a:ext cx="1991520" cy="1629360"/>
           </a:xfrm>
           <a:prstGeom prst="rect">
             <a:avLst/>
@@ -9324,7 +9742,7 @@
         <p:spPr>
           <a:xfrm>
             <a:off x="685800" y="6172200"/>
-            <a:ext cx="9144000" cy="0"/>
+            <a:ext cx="9144000" cy="360"/>
           </a:xfrm>
           <a:prstGeom prst="line">
             <a:avLst/>
@@ -9343,11 +9761,14 @@
           <a:fontRef idx="minor"/>
         </p:style>
         <p:txBody>
-          <a:bodyPr lIns="90000" rIns="90000" tIns="45000" bIns="45000" anchor="t">
+          <a:bodyPr lIns="90000" rIns="90000" tIns="0" bIns="0" anchor="t" anchorCtr="1">
             <a:noAutofit/>
           </a:bodyPr>
           <a:p>
             <a:pPr algn="ctr">
+              <a:lnSpc>
+                <a:spcPct val="100000"/>
+              </a:lnSpc>
               <a:buNone/>
             </a:pPr>
             <a:endParaRPr b="0" lang="en-US" sz="1800" spc="-1" strike="noStrike">
@@ -9356,11 +9777,18 @@
           </a:p>
           <a:p>
             <a:pPr algn="ctr">
+              <a:lnSpc>
+                <a:spcPct val="100000"/>
+              </a:lnSpc>
               <a:buNone/>
             </a:pPr>
             <a:r>
               <a:rPr b="0" lang="en-US" sz="1800" spc="-1" strike="noStrike">
+                <a:solidFill>
+                  <a:srgbClr val="000000"/>
+                </a:solidFill>
                 <a:latin typeface="Arial"/>
+                <a:ea typeface="DejaVu Sans"/>
               </a:rPr>
               <a:t>Training</a:t>
             </a:r>
@@ -9379,7 +9807,7 @@
         <p:spPr>
           <a:xfrm>
             <a:off x="5715000" y="2286000"/>
-            <a:ext cx="2057400" cy="1143000"/>
+            <a:ext cx="2057040" cy="1142640"/>
           </a:xfrm>
           <a:prstGeom prst="rect">
             <a:avLst/>
@@ -9441,7 +9869,7 @@
         <p:spPr>
           <a:xfrm>
             <a:off x="360000" y="360000"/>
-            <a:ext cx="9354600" cy="894600"/>
+            <a:ext cx="9354240" cy="894240"/>
           </a:xfrm>
           <a:prstGeom prst="rect">
             <a:avLst/>
@@ -9476,17 +9904,7 @@
                 <a:latin typeface="Latin Modern Sans"/>
                 <a:ea typeface="DejaVu Sans"/>
               </a:rPr>
-              <a:t>Deep Convolutional </a:t>
-            </a:r>
-            <a:r>
-              <a:rPr b="1" lang="en-US" sz="3200" spc="-1" strike="noStrike">
-                <a:solidFill>
-                  <a:srgbClr val="ffffff"/>
-                </a:solidFill>
-                <a:latin typeface="Latin Modern Sans"/>
-                <a:ea typeface="DejaVu Sans"/>
-              </a:rPr>
-              <a:t>Generative Model </a:t>
+              <a:t>Deep Generative Model </a:t>
             </a:r>
             <a:endParaRPr b="0" lang="en-US" sz="3200" spc="-1" strike="noStrike">
               <a:latin typeface="Arial"/>
@@ -9503,7 +9921,7 @@
         <p:spPr>
           <a:xfrm>
             <a:off x="897120" y="6886080"/>
-            <a:ext cx="6441840" cy="359640"/>
+            <a:ext cx="6441480" cy="359280"/>
           </a:xfrm>
           <a:prstGeom prst="rect">
             <a:avLst/>
@@ -9538,7 +9956,59 @@
                 <a:latin typeface="Arial"/>
                 <a:ea typeface="DejaVu Sans"/>
               </a:rPr>
-              <a:t>C</a:t>
+              <a:t>Computer Vision - Prof. André Hochuli</a:t>
+            </a:r>
+            <a:endParaRPr b="0" lang="en-US" sz="1800" spc="-1" strike="noStrike">
+              <a:latin typeface="Arial"/>
+            </a:endParaRPr>
+          </a:p>
+        </p:txBody>
+      </p:sp>
+      <p:sp>
+        <p:nvSpPr>
+          <p:cNvPr id="121" name="CustomShape 29"/>
+          <p:cNvSpPr/>
+          <p:nvPr/>
+        </p:nvSpPr>
+        <p:spPr>
+          <a:xfrm>
+            <a:off x="7608600" y="6886080"/>
+            <a:ext cx="2279520" cy="359280"/>
+          </a:xfrm>
+          <a:prstGeom prst="rect">
+            <a:avLst/>
+          </a:prstGeom>
+          <a:noFill/>
+          <a:ln w="0">
+            <a:noFill/>
+          </a:ln>
+        </p:spPr>
+        <p:style>
+          <a:lnRef idx="0"/>
+          <a:fillRef idx="0"/>
+          <a:effectRef idx="0"/>
+          <a:fontRef idx="minor"/>
+        </p:style>
+        <p:txBody>
+          <a:bodyPr lIns="90000" rIns="90000" tIns="45000" bIns="45000" anchor="t">
+            <a:noAutofit/>
+          </a:bodyPr>
+          <a:p>
+            <a:pPr>
+              <a:lnSpc>
+                <a:spcPct val="100000"/>
+              </a:lnSpc>
+              <a:buNone/>
+            </a:pPr>
+            <a:r>
+              <a:rPr b="0" lang="en-US" sz="1800" spc="-1" strike="noStrike">
+                <a:solidFill>
+                  <a:srgbClr val="000000"/>
+                </a:solidFill>
+                <a:latin typeface="Arial"/>
+                <a:ea typeface="DejaVu Sans"/>
+              </a:rPr>
+              <a:t>Lecture</a:t>
             </a:r>
             <a:r>
               <a:rPr b="0" lang="pt-BR" sz="1800" spc="-1" strike="noStrike">
@@ -9548,374 +10018,46 @@
                 <a:latin typeface="Arial"/>
                 <a:ea typeface="DejaVu Sans"/>
               </a:rPr>
-              <a:t>o</a:t>
-            </a:r>
-            <a:r>
-              <a:rPr b="0" lang="pt-BR" sz="1800" spc="-1" strike="noStrike">
-                <a:solidFill>
-                  <a:srgbClr val="000000"/>
-                </a:solidFill>
-                <a:latin typeface="Arial"/>
-                <a:ea typeface="DejaVu Sans"/>
-              </a:rPr>
-              <a:t>m</a:t>
-            </a:r>
-            <a:r>
-              <a:rPr b="0" lang="pt-BR" sz="1800" spc="-1" strike="noStrike">
-                <a:solidFill>
-                  <a:srgbClr val="000000"/>
-                </a:solidFill>
-                <a:latin typeface="Arial"/>
-                <a:ea typeface="DejaVu Sans"/>
-              </a:rPr>
-              <a:t>p</a:t>
-            </a:r>
-            <a:r>
-              <a:rPr b="0" lang="pt-BR" sz="1800" spc="-1" strike="noStrike">
-                <a:solidFill>
-                  <a:srgbClr val="000000"/>
-                </a:solidFill>
-                <a:latin typeface="Arial"/>
-                <a:ea typeface="DejaVu Sans"/>
-              </a:rPr>
-              <a:t>u</a:t>
-            </a:r>
-            <a:r>
-              <a:rPr b="0" lang="pt-BR" sz="1800" spc="-1" strike="noStrike">
-                <a:solidFill>
-                  <a:srgbClr val="000000"/>
-                </a:solidFill>
-                <a:latin typeface="Arial"/>
-                <a:ea typeface="DejaVu Sans"/>
-              </a:rPr>
-              <a:t>t</a:t>
-            </a:r>
-            <a:r>
-              <a:rPr b="0" lang="pt-BR" sz="1800" spc="-1" strike="noStrike">
-                <a:solidFill>
-                  <a:srgbClr val="000000"/>
-                </a:solidFill>
-                <a:latin typeface="Arial"/>
-                <a:ea typeface="DejaVu Sans"/>
-              </a:rPr>
-              <a:t>e</a:t>
-            </a:r>
-            <a:r>
-              <a:rPr b="0" lang="pt-BR" sz="1800" spc="-1" strike="noStrike">
-                <a:solidFill>
-                  <a:srgbClr val="000000"/>
-                </a:solidFill>
-                <a:latin typeface="Arial"/>
-                <a:ea typeface="DejaVu Sans"/>
-              </a:rPr>
-              <a:t>r</a:t>
-            </a:r>
-            <a:r>
-              <a:rPr b="0" lang="pt-BR" sz="1800" spc="-1" strike="noStrike">
-                <a:solidFill>
-                  <a:srgbClr val="000000"/>
-                </a:solidFill>
-                <a:latin typeface="Arial"/>
-                <a:ea typeface="DejaVu Sans"/>
-              </a:rPr>
-              <a:t> </a:t>
-            </a:r>
-            <a:r>
-              <a:rPr b="0" lang="pt-BR" sz="1800" spc="-1" strike="noStrike">
-                <a:solidFill>
-                  <a:srgbClr val="000000"/>
-                </a:solidFill>
-                <a:latin typeface="Arial"/>
-                <a:ea typeface="DejaVu Sans"/>
-              </a:rPr>
-              <a:t>V</a:t>
-            </a:r>
-            <a:r>
-              <a:rPr b="0" lang="pt-BR" sz="1800" spc="-1" strike="noStrike">
-                <a:solidFill>
-                  <a:srgbClr val="000000"/>
-                </a:solidFill>
-                <a:latin typeface="Arial"/>
-                <a:ea typeface="DejaVu Sans"/>
-              </a:rPr>
-              <a:t>i</a:t>
-            </a:r>
-            <a:r>
-              <a:rPr b="0" lang="pt-BR" sz="1800" spc="-1" strike="noStrike">
-                <a:solidFill>
-                  <a:srgbClr val="000000"/>
-                </a:solidFill>
-                <a:latin typeface="Arial"/>
-                <a:ea typeface="DejaVu Sans"/>
-              </a:rPr>
-              <a:t>s</a:t>
-            </a:r>
-            <a:r>
-              <a:rPr b="0" lang="pt-BR" sz="1800" spc="-1" strike="noStrike">
-                <a:solidFill>
-                  <a:srgbClr val="000000"/>
-                </a:solidFill>
-                <a:latin typeface="Arial"/>
-                <a:ea typeface="DejaVu Sans"/>
-              </a:rPr>
-              <a:t>i</a:t>
-            </a:r>
-            <a:r>
-              <a:rPr b="0" lang="pt-BR" sz="1800" spc="-1" strike="noStrike">
-                <a:solidFill>
-                  <a:srgbClr val="000000"/>
-                </a:solidFill>
-                <a:latin typeface="Arial"/>
-                <a:ea typeface="DejaVu Sans"/>
-              </a:rPr>
-              <a:t>o</a:t>
-            </a:r>
-            <a:r>
-              <a:rPr b="0" lang="pt-BR" sz="1800" spc="-1" strike="noStrike">
-                <a:solidFill>
-                  <a:srgbClr val="000000"/>
-                </a:solidFill>
-                <a:latin typeface="Arial"/>
-                <a:ea typeface="DejaVu Sans"/>
-              </a:rPr>
-              <a:t>n</a:t>
-            </a:r>
-            <a:r>
-              <a:rPr b="0" lang="pt-BR" sz="1800" spc="-1" strike="noStrike">
-                <a:solidFill>
-                  <a:srgbClr val="000000"/>
-                </a:solidFill>
-                <a:latin typeface="Arial"/>
-                <a:ea typeface="DejaVu Sans"/>
-              </a:rPr>
-              <a:t> </a:t>
-            </a:r>
-            <a:r>
-              <a:rPr b="0" lang="pt-BR" sz="1800" spc="-1" strike="noStrike">
-                <a:solidFill>
-                  <a:srgbClr val="000000"/>
-                </a:solidFill>
-                <a:latin typeface="Arial"/>
-                <a:ea typeface="DejaVu Sans"/>
-              </a:rPr>
-              <a:t>-</a:t>
-            </a:r>
-            <a:r>
-              <a:rPr b="0" lang="pt-BR" sz="1800" spc="-1" strike="noStrike">
-                <a:solidFill>
-                  <a:srgbClr val="000000"/>
-                </a:solidFill>
-                <a:latin typeface="Arial"/>
-                <a:ea typeface="DejaVu Sans"/>
-              </a:rPr>
-              <a:t> </a:t>
-            </a:r>
-            <a:r>
-              <a:rPr b="0" lang="pt-BR" sz="1800" spc="-1" strike="noStrike">
-                <a:solidFill>
-                  <a:srgbClr val="000000"/>
-                </a:solidFill>
-                <a:latin typeface="Arial"/>
-                <a:ea typeface="DejaVu Sans"/>
-              </a:rPr>
-              <a:t>P</a:t>
-            </a:r>
-            <a:r>
-              <a:rPr b="0" lang="pt-BR" sz="1800" spc="-1" strike="noStrike">
-                <a:solidFill>
-                  <a:srgbClr val="000000"/>
-                </a:solidFill>
-                <a:latin typeface="Arial"/>
-                <a:ea typeface="DejaVu Sans"/>
-              </a:rPr>
-              <a:t>r</a:t>
-            </a:r>
-            <a:r>
-              <a:rPr b="0" lang="pt-BR" sz="1800" spc="-1" strike="noStrike">
-                <a:solidFill>
-                  <a:srgbClr val="000000"/>
-                </a:solidFill>
-                <a:latin typeface="Arial"/>
-                <a:ea typeface="DejaVu Sans"/>
-              </a:rPr>
-              <a:t>o</a:t>
-            </a:r>
-            <a:r>
-              <a:rPr b="0" lang="pt-BR" sz="1800" spc="-1" strike="noStrike">
-                <a:solidFill>
-                  <a:srgbClr val="000000"/>
-                </a:solidFill>
-                <a:latin typeface="Arial"/>
-                <a:ea typeface="DejaVu Sans"/>
-              </a:rPr>
-              <a:t>f</a:t>
-            </a:r>
-            <a:r>
-              <a:rPr b="0" lang="pt-BR" sz="1800" spc="-1" strike="noStrike">
-                <a:solidFill>
-                  <a:srgbClr val="000000"/>
-                </a:solidFill>
-                <a:latin typeface="Arial"/>
-                <a:ea typeface="DejaVu Sans"/>
-              </a:rPr>
-              <a:t>.</a:t>
-            </a:r>
-            <a:r>
-              <a:rPr b="0" lang="pt-BR" sz="1800" spc="-1" strike="noStrike">
-                <a:solidFill>
-                  <a:srgbClr val="000000"/>
-                </a:solidFill>
-                <a:latin typeface="Arial"/>
-                <a:ea typeface="DejaVu Sans"/>
-              </a:rPr>
-              <a:t> </a:t>
-            </a:r>
-            <a:r>
-              <a:rPr b="0" lang="pt-BR" sz="1800" spc="-1" strike="noStrike">
-                <a:solidFill>
-                  <a:srgbClr val="000000"/>
-                </a:solidFill>
-                <a:latin typeface="Arial"/>
-                <a:ea typeface="DejaVu Sans"/>
-              </a:rPr>
-              <a:t>A</a:t>
-            </a:r>
-            <a:r>
-              <a:rPr b="0" lang="pt-BR" sz="1800" spc="-1" strike="noStrike">
-                <a:solidFill>
-                  <a:srgbClr val="000000"/>
-                </a:solidFill>
-                <a:latin typeface="Arial"/>
-                <a:ea typeface="DejaVu Sans"/>
-              </a:rPr>
-              <a:t>n</a:t>
-            </a:r>
-            <a:r>
-              <a:rPr b="0" lang="pt-BR" sz="1800" spc="-1" strike="noStrike">
-                <a:solidFill>
-                  <a:srgbClr val="000000"/>
-                </a:solidFill>
-                <a:latin typeface="Arial"/>
-                <a:ea typeface="DejaVu Sans"/>
-              </a:rPr>
-              <a:t>d</a:t>
-            </a:r>
-            <a:r>
-              <a:rPr b="0" lang="pt-BR" sz="1800" spc="-1" strike="noStrike">
-                <a:solidFill>
-                  <a:srgbClr val="000000"/>
-                </a:solidFill>
-                <a:latin typeface="Arial"/>
-                <a:ea typeface="DejaVu Sans"/>
-              </a:rPr>
-              <a:t>r</a:t>
-            </a:r>
-            <a:r>
-              <a:rPr b="0" lang="pt-BR" sz="1800" spc="-1" strike="noStrike">
-                <a:solidFill>
-                  <a:srgbClr val="000000"/>
-                </a:solidFill>
-                <a:latin typeface="Arial"/>
-                <a:ea typeface="DejaVu Sans"/>
-              </a:rPr>
-              <a:t>é</a:t>
-            </a:r>
-            <a:r>
-              <a:rPr b="0" lang="pt-BR" sz="1800" spc="-1" strike="noStrike">
-                <a:solidFill>
-                  <a:srgbClr val="000000"/>
-                </a:solidFill>
-                <a:latin typeface="Arial"/>
-                <a:ea typeface="DejaVu Sans"/>
-              </a:rPr>
-              <a:t> </a:t>
-            </a:r>
-            <a:r>
-              <a:rPr b="0" lang="pt-BR" sz="1800" spc="-1" strike="noStrike">
-                <a:solidFill>
-                  <a:srgbClr val="000000"/>
-                </a:solidFill>
-                <a:latin typeface="Arial"/>
-                <a:ea typeface="DejaVu Sans"/>
-              </a:rPr>
-              <a:t>H</a:t>
-            </a:r>
-            <a:r>
-              <a:rPr b="0" lang="pt-BR" sz="1800" spc="-1" strike="noStrike">
-                <a:solidFill>
-                  <a:srgbClr val="000000"/>
-                </a:solidFill>
-                <a:latin typeface="Arial"/>
-                <a:ea typeface="DejaVu Sans"/>
-              </a:rPr>
-              <a:t>o</a:t>
-            </a:r>
-            <a:r>
-              <a:rPr b="0" lang="pt-BR" sz="1800" spc="-1" strike="noStrike">
-                <a:solidFill>
-                  <a:srgbClr val="000000"/>
-                </a:solidFill>
-                <a:latin typeface="Arial"/>
-                <a:ea typeface="DejaVu Sans"/>
-              </a:rPr>
-              <a:t>c</a:t>
-            </a:r>
-            <a:r>
-              <a:rPr b="0" lang="pt-BR" sz="1800" spc="-1" strike="noStrike">
-                <a:solidFill>
-                  <a:srgbClr val="000000"/>
-                </a:solidFill>
-                <a:latin typeface="Arial"/>
-                <a:ea typeface="DejaVu Sans"/>
-              </a:rPr>
-              <a:t>h</a:t>
-            </a:r>
-            <a:r>
-              <a:rPr b="0" lang="pt-BR" sz="1800" spc="-1" strike="noStrike">
-                <a:solidFill>
-                  <a:srgbClr val="000000"/>
-                </a:solidFill>
-                <a:latin typeface="Arial"/>
-                <a:ea typeface="DejaVu Sans"/>
-              </a:rPr>
-              <a:t>u</a:t>
-            </a:r>
-            <a:r>
-              <a:rPr b="0" lang="pt-BR" sz="1800" spc="-1" strike="noStrike">
-                <a:solidFill>
-                  <a:srgbClr val="000000"/>
-                </a:solidFill>
-                <a:latin typeface="Arial"/>
-                <a:ea typeface="DejaVu Sans"/>
-              </a:rPr>
-              <a:t>l</a:t>
-            </a:r>
-            <a:r>
-              <a:rPr b="0" lang="pt-BR" sz="1800" spc="-1" strike="noStrike">
-                <a:solidFill>
-                  <a:srgbClr val="000000"/>
-                </a:solidFill>
-                <a:latin typeface="Arial"/>
-                <a:ea typeface="DejaVu Sans"/>
-              </a:rPr>
-              <a:t>i</a:t>
+              <a:t> 12</a:t>
             </a:r>
             <a:endParaRPr b="0" lang="en-US" sz="1800" spc="-1" strike="noStrike">
               <a:latin typeface="Arial"/>
             </a:endParaRPr>
           </a:p>
-        </p:txBody>
-      </p:sp>
-      <p:sp>
-        <p:nvSpPr>
-          <p:cNvPr id="121" name="CustomShape 29"/>
+          <a:p>
+            <a:pPr>
+              <a:lnSpc>
+                <a:spcPct val="100000"/>
+              </a:lnSpc>
+              <a:buNone/>
+            </a:pPr>
+            <a:endParaRPr b="0" lang="en-US" sz="1800" spc="-1" strike="noStrike">
+              <a:latin typeface="Arial"/>
+            </a:endParaRPr>
+          </a:p>
+          <a:p>
+            <a:pPr>
+              <a:lnSpc>
+                <a:spcPct val="100000"/>
+              </a:lnSpc>
+              <a:buNone/>
+            </a:pPr>
+            <a:endParaRPr b="0" lang="en-US" sz="1800" spc="-1" strike="noStrike">
+              <a:latin typeface="Arial"/>
+            </a:endParaRPr>
+          </a:p>
+        </p:txBody>
+      </p:sp>
+      <p:sp>
+        <p:nvSpPr>
+          <p:cNvPr id="122" name="CustomShape 30"/>
           <p:cNvSpPr/>
           <p:nvPr/>
         </p:nvSpPr>
         <p:spPr>
           <a:xfrm>
-            <a:off x="7608600" y="6886080"/>
-            <a:ext cx="2279880" cy="359640"/>
+            <a:off x="360000" y="1980000"/>
+            <a:ext cx="9174240" cy="4674240"/>
           </a:xfrm>
           <a:prstGeom prst="rect">
             <a:avLst/>
@@ -9932,203 +10074,32 @@
           <a:fontRef idx="minor"/>
         </p:style>
         <p:txBody>
-          <a:bodyPr lIns="90000" rIns="90000" tIns="45000" bIns="45000" anchor="t">
-            <a:noAutofit/>
-          </a:bodyPr>
-          <a:p>
-            <a:pPr>
-              <a:lnSpc>
-                <a:spcPct val="100000"/>
-              </a:lnSpc>
-              <a:buNone/>
-            </a:pPr>
-            <a:r>
-              <a:rPr b="0" lang="en-US" sz="1800" spc="-1" strike="noStrike">
-                <a:solidFill>
-                  <a:srgbClr val="000000"/>
-                </a:solidFill>
-                <a:latin typeface="Arial"/>
-                <a:ea typeface="DejaVu Sans"/>
-              </a:rPr>
-              <a:t>L</a:t>
-            </a:r>
-            <a:r>
-              <a:rPr b="0" lang="en-US" sz="1800" spc="-1" strike="noStrike">
-                <a:solidFill>
-                  <a:srgbClr val="000000"/>
-                </a:solidFill>
-                <a:latin typeface="Arial"/>
-                <a:ea typeface="DejaVu Sans"/>
-              </a:rPr>
-              <a:t>e</a:t>
-            </a:r>
-            <a:r>
-              <a:rPr b="0" lang="en-US" sz="1800" spc="-1" strike="noStrike">
-                <a:solidFill>
-                  <a:srgbClr val="000000"/>
-                </a:solidFill>
-                <a:latin typeface="Arial"/>
-                <a:ea typeface="DejaVu Sans"/>
-              </a:rPr>
-              <a:t>c</a:t>
-            </a:r>
-            <a:r>
-              <a:rPr b="0" lang="en-US" sz="1800" spc="-1" strike="noStrike">
-                <a:solidFill>
-                  <a:srgbClr val="000000"/>
-                </a:solidFill>
-                <a:latin typeface="Arial"/>
-                <a:ea typeface="DejaVu Sans"/>
-              </a:rPr>
-              <a:t>t</a:t>
-            </a:r>
-            <a:r>
-              <a:rPr b="0" lang="en-US" sz="1800" spc="-1" strike="noStrike">
-                <a:solidFill>
-                  <a:srgbClr val="000000"/>
-                </a:solidFill>
-                <a:latin typeface="Arial"/>
-                <a:ea typeface="DejaVu Sans"/>
-              </a:rPr>
-              <a:t>u</a:t>
-            </a:r>
-            <a:r>
-              <a:rPr b="0" lang="en-US" sz="1800" spc="-1" strike="noStrike">
-                <a:solidFill>
-                  <a:srgbClr val="000000"/>
-                </a:solidFill>
-                <a:latin typeface="Arial"/>
-                <a:ea typeface="DejaVu Sans"/>
-              </a:rPr>
-              <a:t>r</a:t>
-            </a:r>
-            <a:r>
-              <a:rPr b="0" lang="en-US" sz="1800" spc="-1" strike="noStrike">
-                <a:solidFill>
-                  <a:srgbClr val="000000"/>
-                </a:solidFill>
-                <a:latin typeface="Arial"/>
-                <a:ea typeface="DejaVu Sans"/>
-              </a:rPr>
-              <a:t>e</a:t>
-            </a:r>
-            <a:r>
-              <a:rPr b="0" lang="pt-BR" sz="1800" spc="-1" strike="noStrike">
-                <a:solidFill>
-                  <a:srgbClr val="000000"/>
-                </a:solidFill>
-                <a:latin typeface="Arial"/>
-                <a:ea typeface="DejaVu Sans"/>
-              </a:rPr>
-              <a:t> </a:t>
-            </a:r>
-            <a:r>
-              <a:rPr b="0" lang="pt-BR" sz="1800" spc="-1" strike="noStrike">
-                <a:solidFill>
-                  <a:srgbClr val="000000"/>
-                </a:solidFill>
-                <a:latin typeface="Arial"/>
-                <a:ea typeface="DejaVu Sans"/>
-              </a:rPr>
-              <a:t>1</a:t>
-            </a:r>
-            <a:r>
-              <a:rPr b="0" lang="pt-BR" sz="1800" spc="-1" strike="noStrike">
-                <a:solidFill>
-                  <a:srgbClr val="000000"/>
-                </a:solidFill>
-                <a:latin typeface="Arial"/>
-                <a:ea typeface="DejaVu Sans"/>
-              </a:rPr>
-              <a:t>2</a:t>
-            </a:r>
-            <a:endParaRPr b="0" lang="en-US" sz="1800" spc="-1" strike="noStrike">
-              <a:latin typeface="Arial"/>
-            </a:endParaRPr>
-          </a:p>
-          <a:p>
-            <a:pPr>
-              <a:lnSpc>
-                <a:spcPct val="100000"/>
-              </a:lnSpc>
-              <a:buNone/>
-            </a:pPr>
-            <a:endParaRPr b="0" lang="en-US" sz="1800" spc="-1" strike="noStrike">
-              <a:latin typeface="Arial"/>
-            </a:endParaRPr>
-          </a:p>
-          <a:p>
-            <a:pPr>
-              <a:lnSpc>
-                <a:spcPct val="100000"/>
-              </a:lnSpc>
-              <a:buNone/>
-            </a:pPr>
-            <a:endParaRPr b="0" lang="en-US" sz="1800" spc="-1" strike="noStrike">
-              <a:latin typeface="Arial"/>
-            </a:endParaRPr>
-          </a:p>
-        </p:txBody>
-      </p:sp>
-      <p:sp>
-        <p:nvSpPr>
-          <p:cNvPr id="122" name="CustomShape 30"/>
-          <p:cNvSpPr/>
-          <p:nvPr/>
-        </p:nvSpPr>
-        <p:spPr>
-          <a:xfrm>
-            <a:off x="360000" y="1980000"/>
-            <a:ext cx="9174600" cy="4674600"/>
-          </a:xfrm>
-          <a:prstGeom prst="rect">
-            <a:avLst/>
-          </a:prstGeom>
-          <a:noFill/>
-          <a:ln w="0">
-            <a:noFill/>
-          </a:ln>
-        </p:spPr>
-        <p:style>
-          <a:lnRef idx="0"/>
-          <a:fillRef idx="0"/>
-          <a:effectRef idx="0"/>
-          <a:fontRef idx="minor"/>
-        </p:style>
-        <p:txBody>
           <a:bodyPr lIns="0" rIns="0" tIns="0" bIns="0" anchor="t">
             <a:normAutofit/>
           </a:bodyPr>
           <a:p>
-            <a:pPr marL="216000" indent="-212400">
+            <a:pPr>
+              <a:lnSpc>
+                <a:spcPct val="100000"/>
+              </a:lnSpc>
               <a:spcAft>
                 <a:spcPts val="1140"/>
               </a:spcAft>
-              <a:buClr>
-                <a:srgbClr val="000000"/>
-              </a:buClr>
-              <a:buSzPct val="45000"/>
-              <a:buFont typeface="Wingdings" charset="2"/>
-              <a:buChar char=""/>
+              <a:buNone/>
             </a:pPr>
             <a:endParaRPr b="0" lang="en-US" sz="1800" spc="-1" strike="noStrike">
               <a:latin typeface="Arial"/>
             </a:endParaRPr>
           </a:p>
           <a:p>
-            <a:pPr marL="216000" indent="-212400">
+            <a:pPr>
               <a:lnSpc>
                 <a:spcPct val="100000"/>
               </a:lnSpc>
               <a:spcAft>
                 <a:spcPts val="1140"/>
               </a:spcAft>
-              <a:buClr>
-                <a:srgbClr val="000000"/>
-              </a:buClr>
-              <a:buSzPct val="45000"/>
-              <a:buFont typeface="Wingdings" charset="2"/>
-              <a:buChar char=""/>
+              <a:buNone/>
             </a:pPr>
             <a:endParaRPr b="0" lang="en-US" sz="1800" spc="-1" strike="noStrike">
               <a:latin typeface="Arial"/>
@@ -10149,7 +10120,7 @@
         <p:spPr>
           <a:xfrm>
             <a:off x="5715000" y="1574280"/>
-            <a:ext cx="3926520" cy="1854720"/>
+            <a:ext cx="3926160" cy="1854360"/>
           </a:xfrm>
           <a:prstGeom prst="rect">
             <a:avLst/>
@@ -10172,7 +10143,7 @@
         <p:spPr>
           <a:xfrm>
             <a:off x="457200" y="3200400"/>
-            <a:ext cx="6708240" cy="3657600"/>
+            <a:ext cx="6707880" cy="3657240"/>
           </a:xfrm>
           <a:prstGeom prst="rect">
             <a:avLst/>
@@ -10191,7 +10162,7 @@
         <p:spPr>
           <a:xfrm>
             <a:off x="5715000" y="2286000"/>
-            <a:ext cx="2057400" cy="1143000"/>
+            <a:ext cx="2057040" cy="1142640"/>
           </a:xfrm>
           <a:prstGeom prst="rect">
             <a:avLst/>
@@ -10223,7 +10194,7 @@
         <p:spPr>
           <a:xfrm>
             <a:off x="315000" y="1737360"/>
-            <a:ext cx="9174600" cy="4674600"/>
+            <a:ext cx="9174240" cy="4674240"/>
           </a:xfrm>
           <a:prstGeom prst="rect">
             <a:avLst/>
@@ -10245,6 +10216,9 @@
           </a:bodyPr>
           <a:p>
             <a:pPr marL="216000" indent="-212400">
+              <a:lnSpc>
+                <a:spcPct val="100000"/>
+              </a:lnSpc>
               <a:spcAft>
                 <a:spcPts val="1140"/>
               </a:spcAft>
@@ -10257,9 +10231,13 @@
             </a:pPr>
             <a:r>
               <a:rPr b="0" lang="en-US" sz="1800" spc="-1" strike="noStrike">
+                <a:solidFill>
+                  <a:srgbClr val="000000"/>
+                </a:solidFill>
                 <a:latin typeface="Arial"/>
-              </a:rPr>
-              <a:t>De-Convolutional Layers</a:t>
+                <a:ea typeface="DejaVu Sans"/>
+              </a:rPr>
+              <a:t>De-Convolutional Layers (upsampling)</a:t>
             </a:r>
             <a:endParaRPr b="0" lang="en-US" sz="1800" spc="-1" strike="noStrike">
               <a:latin typeface="Arial"/>
@@ -10267,6 +10245,9 @@
           </a:p>
           <a:p>
             <a:pPr lvl="1" marL="432000" indent="-216000">
+              <a:lnSpc>
+                <a:spcPct val="100000"/>
+              </a:lnSpc>
               <a:spcAft>
                 <a:spcPts val="1140"/>
               </a:spcAft>
@@ -10279,7 +10260,11 @@
             </a:pPr>
             <a:r>
               <a:rPr b="0" lang="en-US" sz="1800" spc="-1" strike="noStrike">
+                <a:solidFill>
+                  <a:srgbClr val="000000"/>
+                </a:solidFill>
                 <a:latin typeface="Arial"/>
+                <a:ea typeface="DejaVu Sans"/>
               </a:rPr>
               <a:t>Noise to Fake Image</a:t>
             </a:r>
@@ -10288,19 +10273,14 @@
             </a:endParaRPr>
           </a:p>
           <a:p>
-            <a:pPr marL="216000" indent="-212400">
+            <a:pPr>
               <a:lnSpc>
                 <a:spcPct val="100000"/>
               </a:lnSpc>
               <a:spcAft>
                 <a:spcPts val="1140"/>
               </a:spcAft>
-              <a:buClr>
-                <a:srgbClr val="000000"/>
-              </a:buClr>
-              <a:buSzPct val="45000"/>
-              <a:buFont typeface="Wingdings" charset="2"/>
-              <a:buChar char=""/>
+              <a:buNone/>
             </a:pPr>
             <a:endParaRPr b="0" lang="en-US" sz="1800" spc="-1" strike="noStrike">
               <a:latin typeface="Arial"/>
@@ -10347,7 +10327,7 @@
         <p:spPr>
           <a:xfrm>
             <a:off x="360000" y="360000"/>
-            <a:ext cx="9354600" cy="894600"/>
+            <a:ext cx="9354240" cy="894240"/>
           </a:xfrm>
           <a:prstGeom prst="rect">
             <a:avLst/>
@@ -10399,7 +10379,7 @@
         <p:spPr>
           <a:xfrm>
             <a:off x="897120" y="6886080"/>
-            <a:ext cx="6441840" cy="359640"/>
+            <a:ext cx="6441480" cy="359280"/>
           </a:xfrm>
           <a:prstGeom prst="rect">
             <a:avLst/>
@@ -10451,7 +10431,7 @@
         <p:spPr>
           <a:xfrm>
             <a:off x="7608600" y="6886080"/>
-            <a:ext cx="2279880" cy="359640"/>
+            <a:ext cx="2279520" cy="359280"/>
           </a:xfrm>
           <a:prstGeom prst="rect">
             <a:avLst/>
@@ -10535,7 +10515,7 @@
         <p:spPr>
           <a:xfrm>
             <a:off x="360000" y="1980000"/>
-            <a:ext cx="9174600" cy="4674600"/>
+            <a:ext cx="9174240" cy="4674240"/>
           </a:xfrm>
           <a:prstGeom prst="rect">
             <a:avLst/>
@@ -10556,35 +10536,28 @@
             <a:normAutofit/>
           </a:bodyPr>
           <a:p>
-            <a:pPr marL="216000" indent="-212400">
+            <a:pPr>
+              <a:lnSpc>
+                <a:spcPct val="100000"/>
+              </a:lnSpc>
               <a:spcAft>
                 <a:spcPts val="1140"/>
               </a:spcAft>
-              <a:buClr>
-                <a:srgbClr val="000000"/>
-              </a:buClr>
-              <a:buSzPct val="45000"/>
-              <a:buFont typeface="Wingdings" charset="2"/>
-              <a:buChar char=""/>
+              <a:buNone/>
             </a:pPr>
             <a:endParaRPr b="0" lang="en-US" sz="1800" spc="-1" strike="noStrike">
               <a:latin typeface="Arial"/>
             </a:endParaRPr>
           </a:p>
           <a:p>
-            <a:pPr marL="216000" indent="-212400">
+            <a:pPr>
               <a:lnSpc>
                 <a:spcPct val="100000"/>
               </a:lnSpc>
               <a:spcAft>
                 <a:spcPts val="1140"/>
               </a:spcAft>
-              <a:buClr>
-                <a:srgbClr val="000000"/>
-              </a:buClr>
-              <a:buSzPct val="45000"/>
-              <a:buFont typeface="Wingdings" charset="2"/>
-              <a:buChar char=""/>
+              <a:buNone/>
             </a:pPr>
             <a:endParaRPr b="0" lang="en-US" sz="1800" spc="-1" strike="noStrike">
               <a:latin typeface="Arial"/>
@@ -10605,7 +10578,7 @@
         <p:spPr>
           <a:xfrm>
             <a:off x="5715000" y="1574280"/>
-            <a:ext cx="3926520" cy="1854720"/>
+            <a:ext cx="3926160" cy="1854360"/>
           </a:xfrm>
           <a:prstGeom prst="rect">
             <a:avLst/>
@@ -10624,7 +10597,7 @@
         <p:spPr>
           <a:xfrm>
             <a:off x="7543800" y="1980000"/>
-            <a:ext cx="2057400" cy="1143000"/>
+            <a:ext cx="2057040" cy="1142640"/>
           </a:xfrm>
           <a:prstGeom prst="rect">
             <a:avLst/>
@@ -10660,7 +10633,7 @@
         <p:spPr>
           <a:xfrm>
             <a:off x="2057400" y="3429000"/>
-            <a:ext cx="6542280" cy="3222000"/>
+            <a:ext cx="6541920" cy="3221640"/>
           </a:xfrm>
           <a:prstGeom prst="rect">
             <a:avLst/>
@@ -10679,7 +10652,7 @@
         <p:spPr>
           <a:xfrm>
             <a:off x="315000" y="1737360"/>
-            <a:ext cx="9174600" cy="4674600"/>
+            <a:ext cx="9174240" cy="4674240"/>
           </a:xfrm>
           <a:prstGeom prst="rect">
             <a:avLst/>
@@ -10701,6 +10674,9 @@
           </a:bodyPr>
           <a:p>
             <a:pPr marL="216000" indent="-212400">
+              <a:lnSpc>
+                <a:spcPct val="100000"/>
+              </a:lnSpc>
               <a:spcAft>
                 <a:spcPts val="1140"/>
               </a:spcAft>
@@ -10713,7 +10689,11 @@
             </a:pPr>
             <a:r>
               <a:rPr b="0" lang="en-US" sz="1800" spc="-1" strike="noStrike">
+                <a:solidFill>
+                  <a:srgbClr val="000000"/>
+                </a:solidFill>
                 <a:latin typeface="Arial"/>
+                <a:ea typeface="DejaVu Sans"/>
               </a:rPr>
               <a:t>Classification: Fake or Real</a:t>
             </a:r>
@@ -10723,6 +10703,9 @@
           </a:p>
           <a:p>
             <a:pPr lvl="1" marL="432000" indent="-216000">
+              <a:lnSpc>
+                <a:spcPct val="100000"/>
+              </a:lnSpc>
               <a:spcAft>
                 <a:spcPts val="1140"/>
               </a:spcAft>
@@ -10735,7 +10718,11 @@
             </a:pPr>
             <a:r>
               <a:rPr b="0" lang="en-US" sz="1800" spc="-1" strike="noStrike">
+                <a:solidFill>
+                  <a:srgbClr val="000000"/>
+                </a:solidFill>
                 <a:latin typeface="Arial"/>
+                <a:ea typeface="DejaVu Sans"/>
               </a:rPr>
               <a:t>CNN </a:t>
             </a:r>
@@ -10744,35 +10731,28 @@
             </a:endParaRPr>
           </a:p>
           <a:p>
-            <a:pPr marL="216000" indent="-212400">
+            <a:pPr>
+              <a:lnSpc>
+                <a:spcPct val="100000"/>
+              </a:lnSpc>
               <a:spcAft>
                 <a:spcPts val="1140"/>
               </a:spcAft>
-              <a:buClr>
-                <a:srgbClr val="000000"/>
-              </a:buClr>
-              <a:buSzPct val="45000"/>
-              <a:buFont typeface="Wingdings" charset="2"/>
-              <a:buChar char=""/>
+              <a:buNone/>
             </a:pPr>
             <a:endParaRPr b="0" lang="en-US" sz="1800" spc="-1" strike="noStrike">
               <a:latin typeface="Arial"/>
             </a:endParaRPr>
           </a:p>
           <a:p>
-            <a:pPr marL="216000" indent="-212400">
+            <a:pPr>
               <a:lnSpc>
                 <a:spcPct val="100000"/>
               </a:lnSpc>
               <a:spcAft>
                 <a:spcPts val="1140"/>
               </a:spcAft>
-              <a:buClr>
-                <a:srgbClr val="000000"/>
-              </a:buClr>
-              <a:buSzPct val="45000"/>
-              <a:buFont typeface="Wingdings" charset="2"/>
-              <a:buChar char=""/>
+              <a:buNone/>
             </a:pPr>
             <a:endParaRPr b="0" lang="en-US" sz="1800" spc="-1" strike="noStrike">
               <a:latin typeface="Arial"/>
@@ -10819,7 +10799,7 @@
         <p:spPr>
           <a:xfrm>
             <a:off x="360000" y="360000"/>
-            <a:ext cx="9354600" cy="894600"/>
+            <a:ext cx="9354240" cy="894240"/>
           </a:xfrm>
           <a:prstGeom prst="rect">
             <a:avLst/>
@@ -10871,7 +10851,7 @@
         <p:spPr>
           <a:xfrm>
             <a:off x="897120" y="6886080"/>
-            <a:ext cx="6441840" cy="359640"/>
+            <a:ext cx="6441480" cy="359280"/>
           </a:xfrm>
           <a:prstGeom prst="rect">
             <a:avLst/>
@@ -10923,7 +10903,7 @@
         <p:spPr>
           <a:xfrm>
             <a:off x="7608600" y="6886080"/>
-            <a:ext cx="2279880" cy="359640"/>
+            <a:ext cx="2279520" cy="359280"/>
           </a:xfrm>
           <a:prstGeom prst="rect">
             <a:avLst/>
@@ -11007,7 +10987,7 @@
         <p:spPr>
           <a:xfrm>
             <a:off x="360000" y="1980000"/>
-            <a:ext cx="9174600" cy="4674600"/>
+            <a:ext cx="9174240" cy="4674240"/>
           </a:xfrm>
           <a:prstGeom prst="rect">
             <a:avLst/>
@@ -11028,35 +11008,28 @@
             <a:normAutofit/>
           </a:bodyPr>
           <a:p>
-            <a:pPr marL="216000" indent="-212400">
+            <a:pPr>
+              <a:lnSpc>
+                <a:spcPct val="100000"/>
+              </a:lnSpc>
               <a:spcAft>
                 <a:spcPts val="1140"/>
               </a:spcAft>
-              <a:buClr>
-                <a:srgbClr val="000000"/>
-              </a:buClr>
-              <a:buSzPct val="45000"/>
-              <a:buFont typeface="Wingdings" charset="2"/>
-              <a:buChar char=""/>
+              <a:buNone/>
             </a:pPr>
             <a:endParaRPr b="0" lang="en-US" sz="1800" spc="-1" strike="noStrike">
               <a:latin typeface="Arial"/>
             </a:endParaRPr>
           </a:p>
           <a:p>
-            <a:pPr marL="216000" indent="-212400">
+            <a:pPr>
               <a:lnSpc>
                 <a:spcPct val="100000"/>
               </a:lnSpc>
               <a:spcAft>
                 <a:spcPts val="1140"/>
               </a:spcAft>
-              <a:buClr>
-                <a:srgbClr val="000000"/>
-              </a:buClr>
-              <a:buSzPct val="45000"/>
-              <a:buFont typeface="Wingdings" charset="2"/>
-              <a:buChar char=""/>
+              <a:buNone/>
             </a:pPr>
             <a:endParaRPr b="0" lang="en-US" sz="1800" spc="-1" strike="noStrike">
               <a:latin typeface="Arial"/>
@@ -11077,7 +11050,7 @@
         <p:spPr>
           <a:xfrm>
             <a:off x="5715000" y="1574280"/>
-            <a:ext cx="3926520" cy="1854720"/>
+            <a:ext cx="3926160" cy="1854360"/>
           </a:xfrm>
           <a:prstGeom prst="rect">
             <a:avLst/>
@@ -11096,7 +11069,7 @@
         <p:spPr>
           <a:xfrm>
             <a:off x="315000" y="1737360"/>
-            <a:ext cx="9174600" cy="4674600"/>
+            <a:ext cx="9174240" cy="4674240"/>
           </a:xfrm>
           <a:prstGeom prst="rect">
             <a:avLst/>
@@ -11118,6 +11091,9 @@
           </a:bodyPr>
           <a:p>
             <a:pPr marL="216000" indent="-212400">
+              <a:lnSpc>
+                <a:spcPct val="100000"/>
+              </a:lnSpc>
               <a:spcAft>
                 <a:spcPts val="1140"/>
               </a:spcAft>
@@ -11130,9 +11106,13 @@
             </a:pPr>
             <a:r>
               <a:rPr b="0" lang="en-US" sz="1800" spc="-1" strike="noStrike">
+                <a:solidFill>
+                  <a:srgbClr val="000000"/>
+                </a:solidFill>
                 <a:latin typeface="Arial"/>
-              </a:rPr>
-              <a:t>Min-Max</a:t>
+                <a:ea typeface="DejaVu Sans"/>
+              </a:rPr>
+              <a:t>Adversarial Loss (Min-Max)</a:t>
             </a:r>
             <a:endParaRPr b="0" lang="en-US" sz="1800" spc="-1" strike="noStrike">
               <a:latin typeface="Arial"/>
@@ -11140,6 +11120,9 @@
           </a:p>
           <a:p>
             <a:pPr lvl="1" marL="432000" indent="-216000">
+              <a:lnSpc>
+                <a:spcPct val="100000"/>
+              </a:lnSpc>
               <a:spcAft>
                 <a:spcPts val="1140"/>
               </a:spcAft>
@@ -11150,12 +11133,25 @@
               <a:buFont typeface="Wingdings" charset="2"/>
               <a:buChar char=""/>
             </a:pPr>
+            <a:r>
+              <a:rPr b="0" lang="en-US" sz="1800" spc="-1" strike="noStrike">
+                <a:solidFill>
+                  <a:srgbClr val="000000"/>
+                </a:solidFill>
+                <a:latin typeface="Arial"/>
+                <a:ea typeface="DejaVu Sans"/>
+              </a:rPr>
+              <a:t>Minimize Generator</a:t>
+            </a:r>
             <a:endParaRPr b="0" lang="en-US" sz="1800" spc="-1" strike="noStrike">
               <a:latin typeface="Arial"/>
             </a:endParaRPr>
           </a:p>
           <a:p>
-            <a:pPr marL="216000" indent="-212400">
+            <a:pPr lvl="1" marL="432000" indent="-216000">
+              <a:lnSpc>
+                <a:spcPct val="100000"/>
+              </a:lnSpc>
               <a:spcAft>
                 <a:spcPts val="1140"/>
               </a:spcAft>
@@ -11166,24 +11162,57 @@
               <a:buFont typeface="Wingdings" charset="2"/>
               <a:buChar char=""/>
             </a:pPr>
+            <a:r>
+              <a:rPr b="0" lang="en-US" sz="1800" spc="-1" strike="noStrike">
+                <a:solidFill>
+                  <a:srgbClr val="000000"/>
+                </a:solidFill>
+                <a:latin typeface="Arial"/>
+                <a:ea typeface="DejaVu Sans"/>
+              </a:rPr>
+              <a:t>Maximize Discriminator</a:t>
+            </a:r>
             <a:endParaRPr b="0" lang="en-US" sz="1800" spc="-1" strike="noStrike">
               <a:latin typeface="Arial"/>
             </a:endParaRPr>
           </a:p>
           <a:p>
-            <a:pPr marL="216000" indent="-212400">
+            <a:pPr>
               <a:lnSpc>
                 <a:spcPct val="100000"/>
               </a:lnSpc>
               <a:spcAft>
                 <a:spcPts val="1140"/>
               </a:spcAft>
-              <a:buClr>
-                <a:srgbClr val="000000"/>
-              </a:buClr>
-              <a:buSzPct val="45000"/>
-              <a:buFont typeface="Wingdings" charset="2"/>
-              <a:buChar char=""/>
+              <a:buNone/>
+            </a:pPr>
+            <a:endParaRPr b="0" lang="en-US" sz="1800" spc="-1" strike="noStrike">
+              <a:latin typeface="Arial"/>
+            </a:endParaRPr>
+          </a:p>
+          <a:p>
+            <a:pPr>
+              <a:lnSpc>
+                <a:spcPct val="100000"/>
+              </a:lnSpc>
+              <a:spcAft>
+                <a:spcPts val="1140"/>
+              </a:spcAft>
+              <a:buNone/>
+            </a:pPr>
+            <a:endParaRPr b="0" lang="en-US" sz="1800" spc="-1" strike="noStrike">
+              <a:latin typeface="Arial"/>
+            </a:endParaRPr>
+          </a:p>
+          <a:p>
+            <a:pPr>
+              <a:lnSpc>
+                <a:spcPct val="100000"/>
+              </a:lnSpc>
+              <a:spcAft>
+                <a:spcPts val="1140"/>
+              </a:spcAft>
+              <a:buNone/>
             </a:pPr>
             <a:endParaRPr b="0" lang="en-US" sz="1800" spc="-1" strike="noStrike">
               <a:latin typeface="Arial"/>
@@ -11200,7 +11229,7 @@
         <p:spPr>
           <a:xfrm>
             <a:off x="5715000" y="1600200"/>
-            <a:ext cx="3886200" cy="1828800"/>
+            <a:ext cx="3885840" cy="1828440"/>
           </a:xfrm>
           <a:prstGeom prst="rect">
             <a:avLst/>
@@ -11236,7 +11265,7 @@
         <p:spPr>
           <a:xfrm>
             <a:off x="2449440" y="3931200"/>
-            <a:ext cx="5322960" cy="2831400"/>
+            <a:ext cx="5322600" cy="2831040"/>
           </a:xfrm>
           <a:prstGeom prst="rect">
             <a:avLst/>
@@ -11259,7 +11288,7 @@
         <p:spPr>
           <a:xfrm>
             <a:off x="2514600" y="3465000"/>
-            <a:ext cx="5169240" cy="457200"/>
+            <a:ext cx="5168880" cy="456840"/>
           </a:xfrm>
           <a:prstGeom prst="rect">
             <a:avLst/>
@@ -11308,7 +11337,7 @@
         <p:spPr>
           <a:xfrm>
             <a:off x="360000" y="360000"/>
-            <a:ext cx="9354600" cy="894600"/>
+            <a:ext cx="9354240" cy="894240"/>
           </a:xfrm>
           <a:prstGeom prst="rect">
             <a:avLst/>
@@ -11360,7 +11389,7 @@
         <p:spPr>
           <a:xfrm>
             <a:off x="897120" y="6886080"/>
-            <a:ext cx="6441840" cy="359640"/>
+            <a:ext cx="6441480" cy="359280"/>
           </a:xfrm>
           <a:prstGeom prst="rect">
             <a:avLst/>
@@ -11412,7 +11441,7 @@
         <p:spPr>
           <a:xfrm>
             <a:off x="7608600" y="6886080"/>
-            <a:ext cx="2279880" cy="359640"/>
+            <a:ext cx="2279520" cy="359280"/>
           </a:xfrm>
           <a:prstGeom prst="rect">
             <a:avLst/>
@@ -11496,7 +11525,7 @@
         <p:spPr>
           <a:xfrm>
             <a:off x="360000" y="1980000"/>
-            <a:ext cx="9174600" cy="4674600"/>
+            <a:ext cx="9174240" cy="4674240"/>
           </a:xfrm>
           <a:prstGeom prst="rect">
             <a:avLst/>
@@ -11517,35 +11546,28 @@
             <a:normAutofit/>
           </a:bodyPr>
           <a:p>
-            <a:pPr marL="216000" indent="-212400">
+            <a:pPr>
+              <a:lnSpc>
+                <a:spcPct val="100000"/>
+              </a:lnSpc>
               <a:spcAft>
                 <a:spcPts val="1140"/>
               </a:spcAft>
-              <a:buClr>
-                <a:srgbClr val="000000"/>
-              </a:buClr>
-              <a:buSzPct val="45000"/>
-              <a:buFont typeface="Wingdings" charset="2"/>
-              <a:buChar char=""/>
+              <a:buNone/>
             </a:pPr>
             <a:endParaRPr b="0" lang="en-US" sz="1800" spc="-1" strike="noStrike">
               <a:latin typeface="Arial"/>
             </a:endParaRPr>
           </a:p>
           <a:p>
-            <a:pPr marL="216000" indent="-212400">
+            <a:pPr>
               <a:lnSpc>
                 <a:spcPct val="100000"/>
               </a:lnSpc>
               <a:spcAft>
                 <a:spcPts val="1140"/>
               </a:spcAft>
-              <a:buClr>
-                <a:srgbClr val="000000"/>
-              </a:buClr>
-              <a:buSzPct val="45000"/>
-              <a:buFont typeface="Wingdings" charset="2"/>
-              <a:buChar char=""/>
+              <a:buNone/>
             </a:pPr>
             <a:endParaRPr b="0" lang="en-US" sz="1800" spc="-1" strike="noStrike">
               <a:latin typeface="Arial"/>
@@ -11566,7 +11588,7 @@
         <p:spPr>
           <a:xfrm>
             <a:off x="1546560" y="2647800"/>
-            <a:ext cx="6911640" cy="3264840"/>
+            <a:ext cx="6911280" cy="3264480"/>
           </a:xfrm>
           <a:prstGeom prst="rect">
             <a:avLst/>
@@ -11585,7 +11607,7 @@
         <p:spPr>
           <a:xfrm>
             <a:off x="315000" y="1737360"/>
-            <a:ext cx="9174600" cy="4674600"/>
+            <a:ext cx="9174240" cy="4674240"/>
           </a:xfrm>
           <a:prstGeom prst="rect">
             <a:avLst/>
@@ -11607,6 +11629,9 @@
           </a:bodyPr>
           <a:p>
             <a:pPr marL="216000" indent="-212400">
+              <a:lnSpc>
+                <a:spcPct val="100000"/>
+              </a:lnSpc>
               <a:spcAft>
                 <a:spcPts val="1140"/>
               </a:spcAft>
@@ -11618,78 +11643,86 @@
               <a:buChar char=""/>
             </a:pPr>
             <a:r>
-              <a:rPr b="0" lang="en-US" sz="1800" spc="-1" strike="noStrike">
+              <a:rPr b="0" lang="en-US" sz="1800" spc="-1" strike="noStrike" u="sng">
+                <a:solidFill>
+                  <a:srgbClr val="0000ff"/>
+                </a:solidFill>
+                <a:uFillTx/>
                 <a:latin typeface="Arial"/>
+                <a:ea typeface="DejaVu Sans"/>
                 <a:hlinkClick r:id="rId2"/>
               </a:rPr>
-              <a:t>https://www.tensorflow.org/tutorials/generative/dcgan</a:t>
+              <a:t>LINK: Lecture_12-DCGAN.ipynb</a:t>
             </a:r>
             <a:endParaRPr b="0" lang="en-US" sz="1800" spc="-1" strike="noStrike">
               <a:latin typeface="Arial"/>
             </a:endParaRPr>
           </a:p>
           <a:p>
-            <a:pPr marL="216000" indent="-212400">
+            <a:pPr>
+              <a:lnSpc>
+                <a:spcPct val="100000"/>
+              </a:lnSpc>
               <a:spcAft>
                 <a:spcPts val="1140"/>
               </a:spcAft>
-              <a:buClr>
-                <a:srgbClr val="000000"/>
-              </a:buClr>
-              <a:buSzPct val="45000"/>
-              <a:buFont typeface="Wingdings" charset="2"/>
-              <a:buChar char=""/>
+              <a:buNone/>
             </a:pPr>
             <a:endParaRPr b="0" lang="en-US" sz="1800" spc="-1" strike="noStrike">
               <a:latin typeface="Arial"/>
             </a:endParaRPr>
           </a:p>
           <a:p>
-            <a:pPr lvl="1" marL="432000" indent="-216000">
+            <a:pPr>
+              <a:lnSpc>
+                <a:spcPct val="100000"/>
+              </a:lnSpc>
               <a:spcAft>
                 <a:spcPts val="1140"/>
               </a:spcAft>
-              <a:buClr>
-                <a:srgbClr val="000000"/>
-              </a:buClr>
-              <a:buSzPct val="45000"/>
-              <a:buFont typeface="Wingdings" charset="2"/>
-              <a:buChar char=""/>
+              <a:buNone/>
             </a:pPr>
             <a:endParaRPr b="0" lang="en-US" sz="1800" spc="-1" strike="noStrike">
               <a:latin typeface="Arial"/>
             </a:endParaRPr>
           </a:p>
           <a:p>
-            <a:pPr marL="216000" indent="-212400">
+            <a:pPr>
+              <a:lnSpc>
+                <a:spcPct val="100000"/>
+              </a:lnSpc>
               <a:spcAft>
                 <a:spcPts val="1140"/>
               </a:spcAft>
-              <a:buClr>
-                <a:srgbClr val="000000"/>
-              </a:buClr>
-              <a:buSzPct val="45000"/>
-              <a:buFont typeface="Wingdings" charset="2"/>
-              <a:buChar char=""/>
+              <a:buNone/>
             </a:pPr>
             <a:endParaRPr b="0" lang="en-US" sz="1800" spc="-1" strike="noStrike">
               <a:latin typeface="Arial"/>
             </a:endParaRPr>
           </a:p>
           <a:p>
-            <a:pPr marL="216000" indent="-212400">
+            <a:pPr>
               <a:lnSpc>
                 <a:spcPct val="100000"/>
               </a:lnSpc>
               <a:spcAft>
                 <a:spcPts val="1140"/>
               </a:spcAft>
-              <a:buClr>
-                <a:srgbClr val="000000"/>
-              </a:buClr>
-              <a:buSzPct val="45000"/>
-              <a:buFont typeface="Wingdings" charset="2"/>
-              <a:buChar char=""/>
+              <a:buNone/>
+            </a:pPr>
+            <a:endParaRPr b="0" lang="en-US" sz="1800" spc="-1" strike="noStrike">
+              <a:latin typeface="Arial"/>
+            </a:endParaRPr>
+          </a:p>
+          <a:p>
+            <a:pPr>
+              <a:lnSpc>
+                <a:spcPct val="100000"/>
+              </a:lnSpc>
+              <a:spcAft>
+                <a:spcPts val="1140"/>
+              </a:spcAft>
+              <a:buNone/>
             </a:pPr>
             <a:endParaRPr b="0" lang="en-US" sz="1800" spc="-1" strike="noStrike">
               <a:latin typeface="Arial"/>
